--- a/7주차/중간결과 발표자료.pptx
+++ b/7주차/중간결과 발표자료.pptx
@@ -209,7 +209,7 @@
           <a:p>
             <a:fld id="{18AE0CE5-F90F-4BDF-B41A-BB6D5DA4ADFA}" type="datetimeFigureOut">
               <a:rPr lang="ko-KR" altLang="en-US" smtClean="0"/>
-              <a:t>2022-04-16</a:t>
+              <a:t>2022-04-17</a:t>
             </a:fld>
             <a:endParaRPr lang="ko-KR" altLang="en-US"/>
           </a:p>
@@ -623,7 +623,7 @@
           <a:p>
             <a:fld id="{BC0BE986-061E-4767-8338-52965FBFDABF}" type="datetime1">
               <a:rPr lang="ko-KR" altLang="en-US" smtClean="0"/>
-              <a:t>2022-04-16</a:t>
+              <a:t>2022-04-17</a:t>
             </a:fld>
             <a:endParaRPr lang="ko-KR" altLang="en-US"/>
           </a:p>
@@ -821,7 +821,7 @@
           <a:p>
             <a:fld id="{5D97806C-4736-4F58-8582-B8F7F9441973}" type="datetime1">
               <a:rPr lang="ko-KR" altLang="en-US" smtClean="0"/>
-              <a:t>2022-04-16</a:t>
+              <a:t>2022-04-17</a:t>
             </a:fld>
             <a:endParaRPr lang="ko-KR" altLang="en-US"/>
           </a:p>
@@ -1029,7 +1029,7 @@
           <a:p>
             <a:fld id="{E41060FE-2537-49E0-AC4A-00D616856957}" type="datetime1">
               <a:rPr lang="ko-KR" altLang="en-US" smtClean="0"/>
-              <a:t>2022-04-16</a:t>
+              <a:t>2022-04-17</a:t>
             </a:fld>
             <a:endParaRPr lang="ko-KR" altLang="en-US"/>
           </a:p>
@@ -1227,7 +1227,7 @@
           <a:p>
             <a:fld id="{1056583F-1BC8-49F8-AD66-D1C9B60444CA}" type="datetime1">
               <a:rPr lang="ko-KR" altLang="en-US" smtClean="0"/>
-              <a:t>2022-04-16</a:t>
+              <a:t>2022-04-17</a:t>
             </a:fld>
             <a:endParaRPr lang="ko-KR" altLang="en-US"/>
           </a:p>
@@ -1502,7 +1502,7 @@
           <a:p>
             <a:fld id="{F44B599E-E4EB-4AA8-86BF-2F5EA286ACEE}" type="datetime1">
               <a:rPr lang="ko-KR" altLang="en-US" smtClean="0"/>
-              <a:t>2022-04-16</a:t>
+              <a:t>2022-04-17</a:t>
             </a:fld>
             <a:endParaRPr lang="ko-KR" altLang="en-US"/>
           </a:p>
@@ -1767,7 +1767,7 @@
           <a:p>
             <a:fld id="{80BC25E8-77FF-47E9-AFAB-7B1F9CA2D672}" type="datetime1">
               <a:rPr lang="ko-KR" altLang="en-US" smtClean="0"/>
-              <a:t>2022-04-16</a:t>
+              <a:t>2022-04-17</a:t>
             </a:fld>
             <a:endParaRPr lang="ko-KR" altLang="en-US"/>
           </a:p>
@@ -2179,7 +2179,7 @@
           <a:p>
             <a:fld id="{0DDE2FDD-ED70-4956-8C04-B1535C08C520}" type="datetime1">
               <a:rPr lang="ko-KR" altLang="en-US" smtClean="0"/>
-              <a:t>2022-04-16</a:t>
+              <a:t>2022-04-17</a:t>
             </a:fld>
             <a:endParaRPr lang="ko-KR" altLang="en-US"/>
           </a:p>
@@ -2320,7 +2320,7 @@
           <a:p>
             <a:fld id="{A45467F8-0EF6-4014-A0A1-80151B320D8B}" type="datetime1">
               <a:rPr lang="ko-KR" altLang="en-US" smtClean="0"/>
-              <a:t>2022-04-16</a:t>
+              <a:t>2022-04-17</a:t>
             </a:fld>
             <a:endParaRPr lang="ko-KR" altLang="en-US"/>
           </a:p>
@@ -2433,7 +2433,7 @@
           <a:p>
             <a:fld id="{DE7D42B4-63A1-4E08-BC46-AA60E3DE9D2C}" type="datetime1">
               <a:rPr lang="ko-KR" altLang="en-US" smtClean="0"/>
-              <a:t>2022-04-16</a:t>
+              <a:t>2022-04-17</a:t>
             </a:fld>
             <a:endParaRPr lang="ko-KR" altLang="en-US"/>
           </a:p>
@@ -2744,7 +2744,7 @@
           <a:p>
             <a:fld id="{40026A23-E3FA-4DFC-AADD-165325F2B919}" type="datetime1">
               <a:rPr lang="ko-KR" altLang="en-US" smtClean="0"/>
-              <a:t>2022-04-16</a:t>
+              <a:t>2022-04-17</a:t>
             </a:fld>
             <a:endParaRPr lang="ko-KR" altLang="en-US"/>
           </a:p>
@@ -3032,7 +3032,7 @@
           <a:p>
             <a:fld id="{CAADC75B-A304-4BE7-8D21-EF9BBEF859E6}" type="datetime1">
               <a:rPr lang="ko-KR" altLang="en-US" smtClean="0"/>
-              <a:t>2022-04-16</a:t>
+              <a:t>2022-04-17</a:t>
             </a:fld>
             <a:endParaRPr lang="ko-KR" altLang="en-US"/>
           </a:p>
@@ -3276,7 +3276,7 @@
           <a:p>
             <a:fld id="{8BB40DB3-D916-4B6B-94F2-646473027273}" type="datetime1">
               <a:rPr lang="ko-KR" altLang="en-US" smtClean="0"/>
-              <a:t>2022-04-16</a:t>
+              <a:t>2022-04-17</a:t>
             </a:fld>
             <a:endParaRPr lang="ko-KR" altLang="en-US"/>
           </a:p>
@@ -8889,8 +8889,8 @@
         </p:blipFill>
         <p:spPr>
           <a:xfrm rot="10800000">
-            <a:off x="6844966" y="2030516"/>
-            <a:ext cx="4806824" cy="3605119"/>
+            <a:off x="4538284" y="2397151"/>
+            <a:ext cx="4317976" cy="3238483"/>
           </a:xfrm>
           <a:prstGeom prst="rect">
             <a:avLst/>
@@ -8924,8 +8924,8 @@
         </p:blipFill>
         <p:spPr>
           <a:xfrm rot="5400000">
-            <a:off x="1731058" y="720571"/>
-            <a:ext cx="3605118" cy="6229667"/>
+            <a:off x="744497" y="1899731"/>
+            <a:ext cx="3238482" cy="4233322"/>
           </a:xfrm>
           <a:prstGeom prst="rect">
             <a:avLst/>
@@ -8934,10 +8934,10 @@
       </p:pic>
       <p:sp>
         <p:nvSpPr>
-          <p:cNvPr id="30" name="TextBox 29">
-            <a:extLst>
-              <a:ext uri="{FF2B5EF4-FFF2-40B4-BE49-F238E27FC236}">
-                <a16:creationId xmlns:a16="http://schemas.microsoft.com/office/drawing/2014/main" id="{44ABDEBC-D6AB-4FD3-A4E8-2E5B91FB1B82}"/>
+          <p:cNvPr id="24" name="TextBox 23">
+            <a:extLst>
+              <a:ext uri="{FF2B5EF4-FFF2-40B4-BE49-F238E27FC236}">
+                <a16:creationId xmlns:a16="http://schemas.microsoft.com/office/drawing/2014/main" id="{08885D8A-EF12-4F67-A558-5BDA38B50BC2}"/>
               </a:ext>
             </a:extLst>
           </p:cNvPr>
@@ -8946,77 +8946,7 @@
         </p:nvSpPr>
         <p:spPr>
           <a:xfrm>
-            <a:off x="418783" y="5919307"/>
-            <a:ext cx="11487467" cy="437043"/>
-          </a:xfrm>
-          <a:prstGeom prst="rect">
-            <a:avLst/>
-          </a:prstGeom>
-          <a:noFill/>
-        </p:spPr>
-        <p:txBody>
-          <a:bodyPr wrap="square">
-            <a:spAutoFit/>
-          </a:bodyPr>
-          <a:lstStyle/>
-          <a:p>
-            <a:pPr marL="63500" marR="0" indent="0" algn="l" fontAlgn="base" latinLnBrk="1">
-              <a:lnSpc>
-                <a:spcPct val="120000"/>
-              </a:lnSpc>
-              <a:spcBef>
-                <a:spcPts val="0"/>
-              </a:spcBef>
-              <a:spcAft>
-                <a:spcPts val="0"/>
-              </a:spcAft>
-            </a:pPr>
-            <a:r>
-              <a:rPr lang="en-US" altLang="ko-KR" sz="2000" kern="0" dirty="0">
-                <a:solidFill>
-                  <a:srgbClr val="000000"/>
-                </a:solidFill>
-                <a:latin typeface="한양신명조"/>
-                <a:ea typeface="에스코어 드림 3 Light" panose="020B0303030302020204"/>
-              </a:rPr>
-              <a:t>- </a:t>
-            </a:r>
-            <a:r>
-              <a:rPr lang="ko-KR" altLang="en-US" sz="2000" kern="0" dirty="0">
-                <a:solidFill>
-                  <a:srgbClr val="000000"/>
-                </a:solidFill>
-                <a:latin typeface="한양신명조"/>
-                <a:ea typeface="에스코어 드림 3 Light" panose="020B0303030302020204"/>
-              </a:rPr>
-              <a:t>오디오 모듈은 해외구매이기 때문에 추후 배송</a:t>
-            </a:r>
-            <a:endParaRPr lang="ko-KR" altLang="en-US" sz="2000" kern="0" spc="0" dirty="0">
-              <a:solidFill>
-                <a:srgbClr val="000000"/>
-              </a:solidFill>
-              <a:effectLst/>
-              <a:latin typeface="한양신명조"/>
-              <a:ea typeface="에스코어 드림 3 Light" panose="020B0303030302020204"/>
-            </a:endParaRPr>
-          </a:p>
-        </p:txBody>
-      </p:sp>
-      <p:sp>
-        <p:nvSpPr>
-          <p:cNvPr id="24" name="TextBox 23">
-            <a:extLst>
-              <a:ext uri="{FF2B5EF4-FFF2-40B4-BE49-F238E27FC236}">
-                <a16:creationId xmlns:a16="http://schemas.microsoft.com/office/drawing/2014/main" id="{08885D8A-EF12-4F67-A558-5BDA38B50BC2}"/>
-              </a:ext>
-            </a:extLst>
-          </p:cNvPr>
-          <p:cNvSpPr txBox="1"/>
-          <p:nvPr/>
-        </p:nvSpPr>
-        <p:spPr>
-          <a:xfrm>
-            <a:off x="2206974" y="1514783"/>
+            <a:off x="1037095" y="1798986"/>
             <a:ext cx="2653286" cy="437043"/>
           </a:xfrm>
           <a:prstGeom prst="rect">
@@ -9091,7 +9021,7 @@
         </p:nvSpPr>
         <p:spPr>
           <a:xfrm>
-            <a:off x="7812652" y="1517283"/>
+            <a:off x="5261546" y="1798986"/>
             <a:ext cx="2871451" cy="434543"/>
           </a:xfrm>
           <a:prstGeom prst="rect">
@@ -9285,6 +9215,102 @@
           </p:style>
         </p:cxnSp>
       </p:grpSp>
+      <p:pic>
+        <p:nvPicPr>
+          <p:cNvPr id="4" name="그림 3">
+            <a:extLst>
+              <a:ext uri="{FF2B5EF4-FFF2-40B4-BE49-F238E27FC236}">
+                <a16:creationId xmlns:a16="http://schemas.microsoft.com/office/drawing/2014/main" id="{219B85AD-C318-4425-81C0-7721E4FF55D7}"/>
+              </a:ext>
+            </a:extLst>
+          </p:cNvPr>
+          <p:cNvPicPr>
+            <a:picLocks noChangeAspect="1"/>
+          </p:cNvPicPr>
+          <p:nvPr/>
+        </p:nvPicPr>
+        <p:blipFill>
+          <a:blip r:embed="rId4" cstate="screen">
+            <a:extLst>
+              <a:ext uri="{28A0092B-C50C-407E-A947-70E740481C1C}">
+                <a14:useLocalDpi xmlns:a14="http://schemas.microsoft.com/office/drawing/2010/main"/>
+              </a:ext>
+            </a:extLst>
+          </a:blip>
+          <a:stretch>
+            <a:fillRect/>
+          </a:stretch>
+        </p:blipFill>
+        <p:spPr>
+          <a:xfrm rot="5400000">
+            <a:off x="8803655" y="2507640"/>
+            <a:ext cx="3238484" cy="3017505"/>
+          </a:xfrm>
+          <a:prstGeom prst="rect">
+            <a:avLst/>
+          </a:prstGeom>
+        </p:spPr>
+      </p:pic>
+      <p:sp>
+        <p:nvSpPr>
+          <p:cNvPr id="17" name="TextBox 16">
+            <a:extLst>
+              <a:ext uri="{FF2B5EF4-FFF2-40B4-BE49-F238E27FC236}">
+                <a16:creationId xmlns:a16="http://schemas.microsoft.com/office/drawing/2014/main" id="{4AB75583-9182-4E24-B3E9-F3F19BC5C0AF}"/>
+              </a:ext>
+            </a:extLst>
+          </p:cNvPr>
+          <p:cNvSpPr txBox="1"/>
+          <p:nvPr/>
+        </p:nvSpPr>
+        <p:spPr>
+          <a:xfrm>
+            <a:off x="8987171" y="1798985"/>
+            <a:ext cx="2871451" cy="434543"/>
+          </a:xfrm>
+          <a:prstGeom prst="rect">
+            <a:avLst/>
+          </a:prstGeom>
+          <a:noFill/>
+        </p:spPr>
+        <p:txBody>
+          <a:bodyPr wrap="square" anchor="ctr">
+            <a:spAutoFit/>
+          </a:bodyPr>
+          <a:lstStyle/>
+          <a:p>
+            <a:pPr marL="63500" marR="0" indent="0" algn="ctr" fontAlgn="base" latinLnBrk="1">
+              <a:lnSpc>
+                <a:spcPct val="120000"/>
+              </a:lnSpc>
+              <a:spcBef>
+                <a:spcPts val="0"/>
+              </a:spcBef>
+              <a:spcAft>
+                <a:spcPts val="0"/>
+              </a:spcAft>
+            </a:pPr>
+            <a:r>
+              <a:rPr lang="ko-KR" altLang="en-US" sz="2000" kern="0" dirty="0">
+                <a:solidFill>
+                  <a:srgbClr val="000000"/>
+                </a:solidFill>
+                <a:latin typeface="한양신명조"/>
+                <a:ea typeface="에스코어 드림 3 Light" panose="020B0303030302020204"/>
+              </a:rPr>
+              <a:t>오디오 코덱 모듈</a:t>
+            </a:r>
+            <a:endParaRPr lang="ko-KR" altLang="en-US" sz="2000" kern="0" spc="0" dirty="0">
+              <a:solidFill>
+                <a:srgbClr val="000000"/>
+              </a:solidFill>
+              <a:effectLst/>
+              <a:latin typeface="한양신명조"/>
+              <a:ea typeface="에스코어 드림 3 Light" panose="020B0303030302020204"/>
+            </a:endParaRPr>
+          </a:p>
+        </p:txBody>
+      </p:sp>
     </p:spTree>
     <p:extLst>
       <p:ext uri="{BB962C8B-B14F-4D97-AF65-F5344CB8AC3E}">
@@ -11295,206 +11321,53 @@
           </p:style>
         </p:cxnSp>
       </p:grpSp>
-      <p:grpSp>
-        <p:nvGrpSpPr>
-          <p:cNvPr id="8" name="그룹 7">
-            <a:extLst>
-              <a:ext uri="{FF2B5EF4-FFF2-40B4-BE49-F238E27FC236}">
-                <a16:creationId xmlns:a16="http://schemas.microsoft.com/office/drawing/2014/main" id="{DCA30533-2C1F-4875-8D7B-C92FF8ADCAB1}"/>
-              </a:ext>
-            </a:extLst>
-          </p:cNvPr>
-          <p:cNvGrpSpPr/>
+      <p:pic>
+        <p:nvPicPr>
+          <p:cNvPr id="1026" name="Picture 2">
+            <a:extLst>
+              <a:ext uri="{FF2B5EF4-FFF2-40B4-BE49-F238E27FC236}">
+                <a16:creationId xmlns:a16="http://schemas.microsoft.com/office/drawing/2014/main" id="{ADC37FCA-DD64-4462-ACA2-8F0FE12D888D}"/>
+              </a:ext>
+            </a:extLst>
+          </p:cNvPr>
+          <p:cNvPicPr>
+            <a:picLocks noChangeAspect="1" noChangeArrowheads="1"/>
+          </p:cNvPicPr>
           <p:nvPr/>
-        </p:nvGrpSpPr>
-        <p:grpSpPr>
+        </p:nvPicPr>
+        <p:blipFill>
+          <a:blip r:embed="rId2">
+            <a:extLst>
+              <a:ext uri="{28A0092B-C50C-407E-A947-70E740481C1C}">
+                <a14:useLocalDpi xmlns:a14="http://schemas.microsoft.com/office/drawing/2010/main" val="0"/>
+              </a:ext>
+            </a:extLst>
+          </a:blip>
+          <a:srcRect/>
+          <a:stretch>
+            <a:fillRect/>
+          </a:stretch>
+        </p:blipFill>
+        <p:spPr bwMode="auto">
           <a:xfrm>
-            <a:off x="2310058" y="1356413"/>
-            <a:ext cx="6875014" cy="4028974"/>
-            <a:chOff x="707448" y="1356413"/>
-            <a:chExt cx="6875014" cy="4028974"/>
+            <a:off x="2652712" y="1719262"/>
+            <a:ext cx="6886575" cy="3419475"/>
           </a:xfrm>
-        </p:grpSpPr>
-        <p:sp>
-          <p:nvSpPr>
-            <p:cNvPr id="25" name="TextBox 24">
-              <a:extLst>
-                <a:ext uri="{FF2B5EF4-FFF2-40B4-BE49-F238E27FC236}">
-                  <a16:creationId xmlns:a16="http://schemas.microsoft.com/office/drawing/2014/main" id="{51D6F5A4-BBF7-4726-A16E-19C9D600CFAF}"/>
-                </a:ext>
-              </a:extLst>
-            </p:cNvPr>
-            <p:cNvSpPr txBox="1"/>
-            <p:nvPr/>
-          </p:nvSpPr>
-          <p:spPr>
-            <a:xfrm>
-              <a:off x="2818312" y="4948344"/>
-              <a:ext cx="2653286" cy="437043"/>
-            </a:xfrm>
-            <a:prstGeom prst="rect">
-              <a:avLst/>
-            </a:prstGeom>
-            <a:noFill/>
-          </p:spPr>
-          <p:txBody>
-            <a:bodyPr wrap="square" anchor="ctr">
-              <a:spAutoFit/>
-            </a:bodyPr>
-            <a:lstStyle/>
-            <a:p>
-              <a:pPr marL="63500" marR="0" indent="0" algn="ctr" fontAlgn="base" latinLnBrk="1">
-                <a:lnSpc>
-                  <a:spcPct val="120000"/>
-                </a:lnSpc>
-                <a:spcBef>
-                  <a:spcPts val="0"/>
-                </a:spcBef>
-                <a:spcAft>
-                  <a:spcPts val="0"/>
-                </a:spcAft>
-              </a:pPr>
-              <a:r>
-                <a:rPr lang="en-US" altLang="ko-KR" sz="2000" kern="0" spc="0" dirty="0" err="1">
-                  <a:solidFill>
-                    <a:srgbClr val="000000"/>
-                  </a:solidFill>
-                  <a:effectLst/>
-                  <a:latin typeface="한양신명조"/>
-                  <a:ea typeface="에스코어 드림 3 Light" panose="020B0303030302020204"/>
-                </a:rPr>
-                <a:t>nvidia-smi</a:t>
-              </a:r>
-              <a:endParaRPr lang="ko-KR" altLang="en-US" sz="2000" kern="0" spc="0" dirty="0">
-                <a:solidFill>
-                  <a:srgbClr val="000000"/>
-                </a:solidFill>
-                <a:effectLst/>
-                <a:latin typeface="한양신명조"/>
-                <a:ea typeface="에스코어 드림 3 Light" panose="020B0303030302020204"/>
-              </a:endParaRPr>
-            </a:p>
-          </p:txBody>
-        </p:sp>
-        <p:grpSp>
-          <p:nvGrpSpPr>
-            <p:cNvPr id="7" name="그룹 6">
-              <a:extLst>
-                <a:ext uri="{FF2B5EF4-FFF2-40B4-BE49-F238E27FC236}">
-                  <a16:creationId xmlns:a16="http://schemas.microsoft.com/office/drawing/2014/main" id="{8425D0EE-8891-44B5-B45E-5E143C691E4C}"/>
-                </a:ext>
-              </a:extLst>
-            </p:cNvPr>
-            <p:cNvGrpSpPr/>
-            <p:nvPr/>
-          </p:nvGrpSpPr>
-          <p:grpSpPr>
-            <a:xfrm>
-              <a:off x="707448" y="1356413"/>
-              <a:ext cx="6875014" cy="3591931"/>
-              <a:chOff x="707448" y="1356413"/>
-              <a:chExt cx="6875014" cy="3591931"/>
-            </a:xfrm>
-          </p:grpSpPr>
-          <p:pic>
-            <p:nvPicPr>
-              <p:cNvPr id="4100" name="Picture 4">
-                <a:extLst>
-                  <a:ext uri="{FF2B5EF4-FFF2-40B4-BE49-F238E27FC236}">
-                    <a16:creationId xmlns:a16="http://schemas.microsoft.com/office/drawing/2014/main" id="{E3EFD434-911D-46EA-8B5B-2D13E4020B08}"/>
-                  </a:ext>
-                </a:extLst>
-              </p:cNvPr>
-              <p:cNvPicPr>
-                <a:picLocks noChangeAspect="1" noChangeArrowheads="1"/>
-              </p:cNvPicPr>
-              <p:nvPr/>
-            </p:nvPicPr>
-            <p:blipFill rotWithShape="1">
-              <a:blip r:embed="rId2">
-                <a:extLst>
-                  <a:ext uri="{28A0092B-C50C-407E-A947-70E740481C1C}">
-                    <a14:useLocalDpi xmlns:a14="http://schemas.microsoft.com/office/drawing/2010/main" val="0"/>
-                  </a:ext>
-                </a:extLst>
-              </a:blip>
-              <a:srcRect t="9700"/>
-              <a:stretch/>
-            </p:blipFill>
-            <p:spPr bwMode="auto">
-              <a:xfrm>
-                <a:off x="707448" y="1356413"/>
-                <a:ext cx="6875014" cy="3591931"/>
-              </a:xfrm>
-              <a:prstGeom prst="rect">
-                <a:avLst/>
-              </a:prstGeom>
-              <a:noFill/>
-              <a:extLst>
-                <a:ext uri="{909E8E84-426E-40DD-AFC4-6F175D3DCCD1}">
-                  <a14:hiddenFill xmlns:a14="http://schemas.microsoft.com/office/drawing/2010/main">
-                    <a:solidFill>
-                      <a:srgbClr val="FFFFFF"/>
-                    </a:solidFill>
-                  </a14:hiddenFill>
-                </a:ext>
-              </a:extLst>
-            </p:spPr>
-          </p:pic>
-          <p:pic>
-            <p:nvPicPr>
-              <p:cNvPr id="6" name="그림 5" descr="텍스트이(가) 표시된 사진&#10;&#10;자동 생성된 설명">
-                <a:extLst>
-                  <a:ext uri="{FF2B5EF4-FFF2-40B4-BE49-F238E27FC236}">
-                    <a16:creationId xmlns:a16="http://schemas.microsoft.com/office/drawing/2014/main" id="{CA5BD454-A30F-4F6D-9B11-C06CDE808A37}"/>
-                  </a:ext>
-                </a:extLst>
-              </p:cNvPr>
-              <p:cNvPicPr>
-                <a:picLocks noChangeAspect="1"/>
-              </p:cNvPicPr>
-              <p:nvPr/>
-            </p:nvPicPr>
-            <p:blipFill rotWithShape="1">
-              <a:blip r:embed="rId3">
-                <a:alphaModFix/>
-                <a:duotone>
-                  <a:prstClr val="black"/>
-                  <a:schemeClr val="accent3">
-                    <a:tint val="45000"/>
-                    <a:satMod val="400000"/>
-                  </a:schemeClr>
-                </a:duotone>
-                <a:extLst>
-                  <a:ext uri="{BEBA8EAE-BF5A-486C-A8C5-ECC9F3942E4B}">
-                    <a14:imgProps xmlns:a14="http://schemas.microsoft.com/office/drawing/2010/main">
-                      <a14:imgLayer r:embed="rId4">
-                        <a14:imgEffect>
-                          <a14:saturation sat="0"/>
-                        </a14:imgEffect>
-                      </a14:imgLayer>
-                    </a14:imgProps>
-                  </a:ext>
-                  <a:ext uri="{28A0092B-C50C-407E-A947-70E740481C1C}">
-                    <a14:useLocalDpi xmlns:a14="http://schemas.microsoft.com/office/drawing/2010/main" val="0"/>
-                  </a:ext>
-                </a:extLst>
-              </a:blip>
-              <a:srcRect l="2699" t="35657" r="60193" b="48819"/>
-              <a:stretch/>
-            </p:blipFill>
-            <p:spPr>
-              <a:xfrm>
-                <a:off x="882650" y="2485755"/>
-                <a:ext cx="2540879" cy="423422"/>
-              </a:xfrm>
-              <a:prstGeom prst="rect">
-                <a:avLst/>
-              </a:prstGeom>
-            </p:spPr>
-          </p:pic>
-        </p:grpSp>
-      </p:grpSp>
+          <a:prstGeom prst="rect">
+            <a:avLst/>
+          </a:prstGeom>
+          <a:noFill/>
+          <a:extLst>
+            <a:ext uri="{909E8E84-426E-40DD-AFC4-6F175D3DCCD1}">
+              <a14:hiddenFill xmlns:a14="http://schemas.microsoft.com/office/drawing/2010/main">
+                <a:solidFill>
+                  <a:srgbClr val="FFFFFF"/>
+                </a:solidFill>
+              </a14:hiddenFill>
+            </a:ext>
+          </a:extLst>
+        </p:spPr>
+      </p:pic>
     </p:spTree>
     <p:extLst>
       <p:ext uri="{BB962C8B-B14F-4D97-AF65-F5344CB8AC3E}">

--- a/7주차/중간결과 발표자료.pptx
+++ b/7주차/중간결과 발표자료.pptx
@@ -5,7 +5,7 @@
     <p:sldMasterId id="2147483648" r:id="rId1"/>
   </p:sldMasterIdLst>
   <p:notesMasterIdLst>
-    <p:notesMasterId r:id="rId15"/>
+    <p:notesMasterId r:id="rId16"/>
   </p:notesMasterIdLst>
   <p:sldIdLst>
     <p:sldId id="258" r:id="rId2"/>
@@ -18,9 +18,10 @@
     <p:sldId id="292" r:id="rId9"/>
     <p:sldId id="287" r:id="rId10"/>
     <p:sldId id="289" r:id="rId11"/>
-    <p:sldId id="284" r:id="rId12"/>
-    <p:sldId id="285" r:id="rId13"/>
-    <p:sldId id="265" r:id="rId14"/>
+    <p:sldId id="293" r:id="rId12"/>
+    <p:sldId id="284" r:id="rId13"/>
+    <p:sldId id="285" r:id="rId14"/>
+    <p:sldId id="265" r:id="rId15"/>
   </p:sldIdLst>
   <p:sldSz cx="12192000" cy="6858000"/>
   <p:notesSz cx="6858000" cy="9144000"/>
@@ -209,7 +210,7 @@
           <a:p>
             <a:fld id="{18AE0CE5-F90F-4BDF-B41A-BB6D5DA4ADFA}" type="datetimeFigureOut">
               <a:rPr lang="ko-KR" altLang="en-US" smtClean="0"/>
-              <a:t>2022-04-17</a:t>
+              <a:t>2022-04-18</a:t>
             </a:fld>
             <a:endParaRPr lang="ko-KR" altLang="en-US"/>
           </a:p>
@@ -623,7 +624,7 @@
           <a:p>
             <a:fld id="{BC0BE986-061E-4767-8338-52965FBFDABF}" type="datetime1">
               <a:rPr lang="ko-KR" altLang="en-US" smtClean="0"/>
-              <a:t>2022-04-17</a:t>
+              <a:t>2022-04-18</a:t>
             </a:fld>
             <a:endParaRPr lang="ko-KR" altLang="en-US"/>
           </a:p>
@@ -821,7 +822,7 @@
           <a:p>
             <a:fld id="{5D97806C-4736-4F58-8582-B8F7F9441973}" type="datetime1">
               <a:rPr lang="ko-KR" altLang="en-US" smtClean="0"/>
-              <a:t>2022-04-17</a:t>
+              <a:t>2022-04-18</a:t>
             </a:fld>
             <a:endParaRPr lang="ko-KR" altLang="en-US"/>
           </a:p>
@@ -1029,7 +1030,7 @@
           <a:p>
             <a:fld id="{E41060FE-2537-49E0-AC4A-00D616856957}" type="datetime1">
               <a:rPr lang="ko-KR" altLang="en-US" smtClean="0"/>
-              <a:t>2022-04-17</a:t>
+              <a:t>2022-04-18</a:t>
             </a:fld>
             <a:endParaRPr lang="ko-KR" altLang="en-US"/>
           </a:p>
@@ -1227,7 +1228,7 @@
           <a:p>
             <a:fld id="{1056583F-1BC8-49F8-AD66-D1C9B60444CA}" type="datetime1">
               <a:rPr lang="ko-KR" altLang="en-US" smtClean="0"/>
-              <a:t>2022-04-17</a:t>
+              <a:t>2022-04-18</a:t>
             </a:fld>
             <a:endParaRPr lang="ko-KR" altLang="en-US"/>
           </a:p>
@@ -1502,7 +1503,7 @@
           <a:p>
             <a:fld id="{F44B599E-E4EB-4AA8-86BF-2F5EA286ACEE}" type="datetime1">
               <a:rPr lang="ko-KR" altLang="en-US" smtClean="0"/>
-              <a:t>2022-04-17</a:t>
+              <a:t>2022-04-18</a:t>
             </a:fld>
             <a:endParaRPr lang="ko-KR" altLang="en-US"/>
           </a:p>
@@ -1767,7 +1768,7 @@
           <a:p>
             <a:fld id="{80BC25E8-77FF-47E9-AFAB-7B1F9CA2D672}" type="datetime1">
               <a:rPr lang="ko-KR" altLang="en-US" smtClean="0"/>
-              <a:t>2022-04-17</a:t>
+              <a:t>2022-04-18</a:t>
             </a:fld>
             <a:endParaRPr lang="ko-KR" altLang="en-US"/>
           </a:p>
@@ -2179,7 +2180,7 @@
           <a:p>
             <a:fld id="{0DDE2FDD-ED70-4956-8C04-B1535C08C520}" type="datetime1">
               <a:rPr lang="ko-KR" altLang="en-US" smtClean="0"/>
-              <a:t>2022-04-17</a:t>
+              <a:t>2022-04-18</a:t>
             </a:fld>
             <a:endParaRPr lang="ko-KR" altLang="en-US"/>
           </a:p>
@@ -2320,7 +2321,7 @@
           <a:p>
             <a:fld id="{A45467F8-0EF6-4014-A0A1-80151B320D8B}" type="datetime1">
               <a:rPr lang="ko-KR" altLang="en-US" smtClean="0"/>
-              <a:t>2022-04-17</a:t>
+              <a:t>2022-04-18</a:t>
             </a:fld>
             <a:endParaRPr lang="ko-KR" altLang="en-US"/>
           </a:p>
@@ -2433,7 +2434,7 @@
           <a:p>
             <a:fld id="{DE7D42B4-63A1-4E08-BC46-AA60E3DE9D2C}" type="datetime1">
               <a:rPr lang="ko-KR" altLang="en-US" smtClean="0"/>
-              <a:t>2022-04-17</a:t>
+              <a:t>2022-04-18</a:t>
             </a:fld>
             <a:endParaRPr lang="ko-KR" altLang="en-US"/>
           </a:p>
@@ -2744,7 +2745,7 @@
           <a:p>
             <a:fld id="{40026A23-E3FA-4DFC-AADD-165325F2B919}" type="datetime1">
               <a:rPr lang="ko-KR" altLang="en-US" smtClean="0"/>
-              <a:t>2022-04-17</a:t>
+              <a:t>2022-04-18</a:t>
             </a:fld>
             <a:endParaRPr lang="ko-KR" altLang="en-US"/>
           </a:p>
@@ -3032,7 +3033,7 @@
           <a:p>
             <a:fld id="{CAADC75B-A304-4BE7-8D21-EF9BBEF859E6}" type="datetime1">
               <a:rPr lang="ko-KR" altLang="en-US" smtClean="0"/>
-              <a:t>2022-04-17</a:t>
+              <a:t>2022-04-18</a:t>
             </a:fld>
             <a:endParaRPr lang="ko-KR" altLang="en-US"/>
           </a:p>
@@ -3276,7 +3277,7 @@
           <a:p>
             <a:fld id="{8BB40DB3-D916-4B6B-94F2-646473027273}" type="datetime1">
               <a:rPr lang="ko-KR" altLang="en-US" smtClean="0"/>
-              <a:t>2022-04-17</a:t>
+              <a:t>2022-04-18</a:t>
             </a:fld>
             <a:endParaRPr lang="ko-KR" altLang="en-US"/>
           </a:p>
@@ -4942,6 +4943,851 @@
           <a:chExt cx="0" cy="0"/>
         </a:xfrm>
       </p:grpSpPr>
+      <p:grpSp>
+        <p:nvGrpSpPr>
+          <p:cNvPr id="18" name="그룹 17">
+            <a:extLst>
+              <a:ext uri="{FF2B5EF4-FFF2-40B4-BE49-F238E27FC236}">
+                <a16:creationId xmlns:a16="http://schemas.microsoft.com/office/drawing/2014/main" id="{E030FC28-0121-4AB3-87BA-A055D28AE1E2}"/>
+              </a:ext>
+            </a:extLst>
+          </p:cNvPr>
+          <p:cNvGrpSpPr/>
+          <p:nvPr/>
+        </p:nvGrpSpPr>
+        <p:grpSpPr>
+          <a:xfrm>
+            <a:off x="75883" y="-19050"/>
+            <a:ext cx="3287800" cy="861774"/>
+            <a:chOff x="75883" y="-19050"/>
+            <a:chExt cx="3287800" cy="861774"/>
+          </a:xfrm>
+        </p:grpSpPr>
+        <p:sp>
+          <p:nvSpPr>
+            <p:cNvPr id="19" name="TextBox 18">
+              <a:extLst>
+                <a:ext uri="{FF2B5EF4-FFF2-40B4-BE49-F238E27FC236}">
+                  <a16:creationId xmlns:a16="http://schemas.microsoft.com/office/drawing/2014/main" id="{02A17B34-FEFB-4770-9DB1-696CE761A4DE}"/>
+                </a:ext>
+              </a:extLst>
+            </p:cNvPr>
+            <p:cNvSpPr txBox="1"/>
+            <p:nvPr/>
+          </p:nvSpPr>
+          <p:spPr>
+            <a:xfrm rot="5400000">
+              <a:off x="319692" y="-262859"/>
+              <a:ext cx="861774" cy="1349392"/>
+            </a:xfrm>
+            <a:prstGeom prst="rect">
+              <a:avLst/>
+            </a:prstGeom>
+            <a:noFill/>
+          </p:spPr>
+          <p:txBody>
+            <a:bodyPr vert="vert270" wrap="square" rtlCol="0">
+              <a:spAutoFit/>
+            </a:bodyPr>
+            <a:lstStyle/>
+            <a:p>
+              <a:r>
+                <a:rPr lang="en-US" altLang="ko-KR" sz="4400" spc="-300" dirty="0">
+                  <a:latin typeface="에스코어 드림 9 Black" panose="020B0A03030302020204" pitchFamily="34" charset="-127"/>
+                  <a:ea typeface="에스코어 드림 9 Black" panose="020B0A03030302020204" pitchFamily="34" charset="-127"/>
+                </a:rPr>
+                <a:t>04</a:t>
+              </a:r>
+              <a:endParaRPr lang="ko-KR" altLang="en-US" sz="4400" spc="-300" dirty="0">
+                <a:latin typeface="에스코어 드림 9 Black" panose="020B0A03030302020204" pitchFamily="34" charset="-127"/>
+                <a:ea typeface="에스코어 드림 9 Black" panose="020B0A03030302020204" pitchFamily="34" charset="-127"/>
+              </a:endParaRPr>
+            </a:p>
+          </p:txBody>
+        </p:sp>
+        <p:sp>
+          <p:nvSpPr>
+            <p:cNvPr id="20" name="TextBox 19">
+              <a:extLst>
+                <a:ext uri="{FF2B5EF4-FFF2-40B4-BE49-F238E27FC236}">
+                  <a16:creationId xmlns:a16="http://schemas.microsoft.com/office/drawing/2014/main" id="{FF54E207-A230-4096-A32F-44B0A39CCF10}"/>
+                </a:ext>
+              </a:extLst>
+            </p:cNvPr>
+            <p:cNvSpPr txBox="1"/>
+            <p:nvPr/>
+          </p:nvSpPr>
+          <p:spPr>
+            <a:xfrm>
+              <a:off x="707448" y="166898"/>
+              <a:ext cx="2656235" cy="523220"/>
+            </a:xfrm>
+            <a:prstGeom prst="rect">
+              <a:avLst/>
+            </a:prstGeom>
+            <a:noFill/>
+          </p:spPr>
+          <p:txBody>
+            <a:bodyPr wrap="square" rtlCol="0">
+              <a:spAutoFit/>
+            </a:bodyPr>
+            <a:lstStyle/>
+            <a:p>
+              <a:r>
+                <a:rPr lang="ko-KR" altLang="en-US" sz="2800" spc="-150" dirty="0">
+                  <a:latin typeface="에스코어 드림 9 Black" panose="020B0A03030302020204" pitchFamily="34" charset="-127"/>
+                  <a:ea typeface="에스코어 드림 9 Black" panose="020B0A03030302020204" pitchFamily="34" charset="-127"/>
+                </a:rPr>
+                <a:t>모델 선정</a:t>
+              </a:r>
+            </a:p>
+          </p:txBody>
+        </p:sp>
+      </p:grpSp>
+      <p:cxnSp>
+        <p:nvCxnSpPr>
+          <p:cNvPr id="15" name="직선 연결선 14">
+            <a:extLst>
+              <a:ext uri="{FF2B5EF4-FFF2-40B4-BE49-F238E27FC236}">
+                <a16:creationId xmlns:a16="http://schemas.microsoft.com/office/drawing/2014/main" id="{54FFD768-8A04-456F-A762-F1D19720C219}"/>
+              </a:ext>
+            </a:extLst>
+          </p:cNvPr>
+          <p:cNvCxnSpPr>
+            <a:cxnSpLocks/>
+          </p:cNvCxnSpPr>
+          <p:nvPr/>
+        </p:nvCxnSpPr>
+        <p:spPr>
+          <a:xfrm flipH="1">
+            <a:off x="698500" y="1222365"/>
+            <a:ext cx="7861300" cy="0"/>
+          </a:xfrm>
+          <a:prstGeom prst="line">
+            <a:avLst/>
+          </a:prstGeom>
+          <a:ln>
+            <a:solidFill>
+              <a:schemeClr val="tx1"/>
+            </a:solidFill>
+          </a:ln>
+        </p:spPr>
+        <p:style>
+          <a:lnRef idx="1">
+            <a:schemeClr val="accent1"/>
+          </a:lnRef>
+          <a:fillRef idx="0">
+            <a:schemeClr val="accent1"/>
+          </a:fillRef>
+          <a:effectRef idx="0">
+            <a:schemeClr val="accent1"/>
+          </a:effectRef>
+          <a:fontRef idx="minor">
+            <a:schemeClr val="tx1"/>
+          </a:fontRef>
+        </p:style>
+      </p:cxnSp>
+      <p:sp>
+        <p:nvSpPr>
+          <p:cNvPr id="4" name="슬라이드 번호 개체 틀 3">
+            <a:extLst>
+              <a:ext uri="{FF2B5EF4-FFF2-40B4-BE49-F238E27FC236}">
+                <a16:creationId xmlns:a16="http://schemas.microsoft.com/office/drawing/2014/main" id="{D7EF6387-A7FE-4CDA-8371-FBC8F066D96C}"/>
+              </a:ext>
+            </a:extLst>
+          </p:cNvPr>
+          <p:cNvSpPr>
+            <a:spLocks noGrp="1"/>
+          </p:cNvSpPr>
+          <p:nvPr>
+            <p:ph type="sldNum" sz="quarter" idx="12"/>
+          </p:nvPr>
+        </p:nvSpPr>
+        <p:spPr/>
+        <p:txBody>
+          <a:bodyPr/>
+          <a:lstStyle/>
+          <a:p>
+            <a:fld id="{8D2D09E4-BCE1-4B3A-90ED-26E55CBEC274}" type="slidenum">
+              <a:rPr lang="ko-KR" altLang="en-US" smtClean="0"/>
+              <a:t>11</a:t>
+            </a:fld>
+            <a:endParaRPr lang="ko-KR" altLang="en-US" dirty="0"/>
+          </a:p>
+        </p:txBody>
+      </p:sp>
+      <p:sp>
+        <p:nvSpPr>
+          <p:cNvPr id="23" name="TextBox 22">
+            <a:extLst>
+              <a:ext uri="{FF2B5EF4-FFF2-40B4-BE49-F238E27FC236}">
+                <a16:creationId xmlns:a16="http://schemas.microsoft.com/office/drawing/2014/main" id="{4704FA87-9322-49B7-9491-4F8AF56582FB}"/>
+              </a:ext>
+            </a:extLst>
+          </p:cNvPr>
+          <p:cNvSpPr txBox="1"/>
+          <p:nvPr/>
+        </p:nvSpPr>
+        <p:spPr>
+          <a:xfrm>
+            <a:off x="5175917" y="1414100"/>
+            <a:ext cx="7016081" cy="707886"/>
+          </a:xfrm>
+          <a:prstGeom prst="rect">
+            <a:avLst/>
+          </a:prstGeom>
+          <a:noFill/>
+        </p:spPr>
+        <p:txBody>
+          <a:bodyPr wrap="square">
+            <a:spAutoFit/>
+          </a:bodyPr>
+          <a:lstStyle/>
+          <a:p>
+            <a:pPr marL="342900" indent="-342900">
+              <a:buFontTx/>
+              <a:buChar char="-"/>
+            </a:pPr>
+            <a:r>
+              <a:rPr lang="en-US" altLang="ko-KR" sz="2000" spc="-150" dirty="0">
+                <a:solidFill>
+                  <a:prstClr val="black"/>
+                </a:solidFill>
+                <a:latin typeface="에스코어 드림 3 Light" panose="020B0303030302020204" pitchFamily="34" charset="-127"/>
+                <a:ea typeface="에스코어 드림 3 Light" panose="020B0303030302020204" pitchFamily="34" charset="-127"/>
+              </a:rPr>
+              <a:t>YOLOv3</a:t>
+            </a:r>
+            <a:r>
+              <a:rPr lang="ko-KR" altLang="en-US" sz="2000" spc="-150" dirty="0">
+                <a:solidFill>
+                  <a:prstClr val="black"/>
+                </a:solidFill>
+                <a:latin typeface="에스코어 드림 3 Light" panose="020B0303030302020204" pitchFamily="34" charset="-127"/>
+                <a:ea typeface="에스코어 드림 3 Light" panose="020B0303030302020204" pitchFamily="34" charset="-127"/>
+              </a:rPr>
+              <a:t>보다 최근에 나온 </a:t>
+            </a:r>
+            <a:r>
+              <a:rPr lang="en-US" altLang="ko-KR" sz="2000" spc="-150" dirty="0">
+                <a:solidFill>
+                  <a:prstClr val="black"/>
+                </a:solidFill>
+                <a:latin typeface="에스코어 드림 3 Light" panose="020B0303030302020204" pitchFamily="34" charset="-127"/>
+                <a:ea typeface="에스코어 드림 3 Light" panose="020B0303030302020204" pitchFamily="34" charset="-127"/>
+              </a:rPr>
+              <a:t>YOLOv4</a:t>
+            </a:r>
+            <a:r>
+              <a:rPr lang="ko-KR" altLang="en-US" sz="2000" spc="-150" dirty="0">
+                <a:solidFill>
+                  <a:prstClr val="black"/>
+                </a:solidFill>
+                <a:latin typeface="에스코어 드림 3 Light" panose="020B0303030302020204" pitchFamily="34" charset="-127"/>
+                <a:ea typeface="에스코어 드림 3 Light" panose="020B0303030302020204" pitchFamily="34" charset="-127"/>
+              </a:rPr>
+              <a:t>와 </a:t>
+            </a:r>
+            <a:r>
+              <a:rPr lang="en-US" altLang="ko-KR" sz="2000" spc="-150" dirty="0">
+                <a:solidFill>
+                  <a:prstClr val="black"/>
+                </a:solidFill>
+                <a:latin typeface="에스코어 드림 3 Light" panose="020B0303030302020204" pitchFamily="34" charset="-127"/>
+                <a:ea typeface="에스코어 드림 3 Light" panose="020B0303030302020204" pitchFamily="34" charset="-127"/>
+              </a:rPr>
+              <a:t>YOLOv5</a:t>
+            </a:r>
+            <a:r>
+              <a:rPr lang="ko-KR" altLang="en-US" sz="2000" spc="-150" dirty="0">
+                <a:solidFill>
+                  <a:prstClr val="black"/>
+                </a:solidFill>
+                <a:latin typeface="에스코어 드림 3 Light" panose="020B0303030302020204" pitchFamily="34" charset="-127"/>
+                <a:ea typeface="에스코어 드림 3 Light" panose="020B0303030302020204" pitchFamily="34" charset="-127"/>
+              </a:rPr>
+              <a:t>가 더 나은 성능을 보임</a:t>
+            </a:r>
+          </a:p>
+        </p:txBody>
+      </p:sp>
+      <p:grpSp>
+        <p:nvGrpSpPr>
+          <p:cNvPr id="14" name="그룹 13">
+            <a:extLst>
+              <a:ext uri="{FF2B5EF4-FFF2-40B4-BE49-F238E27FC236}">
+                <a16:creationId xmlns:a16="http://schemas.microsoft.com/office/drawing/2014/main" id="{3E0A8233-9FEC-43E0-B9C7-F921F5D1994D}"/>
+              </a:ext>
+            </a:extLst>
+          </p:cNvPr>
+          <p:cNvGrpSpPr/>
+          <p:nvPr/>
+        </p:nvGrpSpPr>
+        <p:grpSpPr>
+          <a:xfrm>
+            <a:off x="11715750" y="184150"/>
+            <a:ext cx="253518" cy="190500"/>
+            <a:chOff x="11715750" y="184150"/>
+            <a:chExt cx="253518" cy="190500"/>
+          </a:xfrm>
+          <a:solidFill>
+            <a:srgbClr val="FFFF00"/>
+          </a:solidFill>
+        </p:grpSpPr>
+        <p:sp>
+          <p:nvSpPr>
+            <p:cNvPr id="22" name="직사각형 21">
+              <a:extLst>
+                <a:ext uri="{FF2B5EF4-FFF2-40B4-BE49-F238E27FC236}">
+                  <a16:creationId xmlns:a16="http://schemas.microsoft.com/office/drawing/2014/main" id="{AEB7A89A-2F87-4089-AD06-2B993E721F20}"/>
+                </a:ext>
+              </a:extLst>
+            </p:cNvPr>
+            <p:cNvSpPr/>
+            <p:nvPr/>
+          </p:nvSpPr>
+          <p:spPr>
+            <a:xfrm>
+              <a:off x="11715750" y="184150"/>
+              <a:ext cx="190500" cy="190500"/>
+            </a:xfrm>
+            <a:prstGeom prst="rect">
+              <a:avLst/>
+            </a:prstGeom>
+            <a:solidFill>
+              <a:srgbClr val="5B9BD5"/>
+            </a:solidFill>
+            <a:ln>
+              <a:solidFill>
+                <a:schemeClr val="tx1"/>
+              </a:solidFill>
+            </a:ln>
+          </p:spPr>
+          <p:style>
+            <a:lnRef idx="2">
+              <a:schemeClr val="accent1">
+                <a:shade val="50000"/>
+              </a:schemeClr>
+            </a:lnRef>
+            <a:fillRef idx="1">
+              <a:schemeClr val="accent1"/>
+            </a:fillRef>
+            <a:effectRef idx="0">
+              <a:schemeClr val="accent1"/>
+            </a:effectRef>
+            <a:fontRef idx="minor">
+              <a:schemeClr val="lt1"/>
+            </a:fontRef>
+          </p:style>
+          <p:txBody>
+            <a:bodyPr rtlCol="0" anchor="ctr"/>
+            <a:lstStyle/>
+            <a:p>
+              <a:pPr algn="ctr"/>
+              <a:endParaRPr lang="ko-KR" altLang="en-US" dirty="0"/>
+            </a:p>
+          </p:txBody>
+        </p:sp>
+        <p:cxnSp>
+          <p:nvCxnSpPr>
+            <p:cNvPr id="26" name="직선 연결선 25">
+              <a:extLst>
+                <a:ext uri="{FF2B5EF4-FFF2-40B4-BE49-F238E27FC236}">
+                  <a16:creationId xmlns:a16="http://schemas.microsoft.com/office/drawing/2014/main" id="{AEA58214-D1AE-4B04-A22F-1BEE2F5C164D}"/>
+                </a:ext>
+              </a:extLst>
+            </p:cNvPr>
+            <p:cNvCxnSpPr>
+              <a:cxnSpLocks/>
+            </p:cNvCxnSpPr>
+            <p:nvPr/>
+          </p:nvCxnSpPr>
+          <p:spPr>
+            <a:xfrm flipV="1">
+              <a:off x="11969267" y="184150"/>
+              <a:ext cx="1" cy="184150"/>
+            </a:xfrm>
+            <a:prstGeom prst="line">
+              <a:avLst/>
+            </a:prstGeom>
+            <a:grpFill/>
+            <a:ln>
+              <a:solidFill>
+                <a:schemeClr val="tx1"/>
+              </a:solidFill>
+            </a:ln>
+          </p:spPr>
+          <p:style>
+            <a:lnRef idx="1">
+              <a:schemeClr val="accent1"/>
+            </a:lnRef>
+            <a:fillRef idx="0">
+              <a:schemeClr val="accent1"/>
+            </a:fillRef>
+            <a:effectRef idx="0">
+              <a:schemeClr val="accent1"/>
+            </a:effectRef>
+            <a:fontRef idx="minor">
+              <a:schemeClr val="tx1"/>
+            </a:fontRef>
+          </p:style>
+        </p:cxnSp>
+      </p:grpSp>
+      <p:pic>
+        <p:nvPicPr>
+          <p:cNvPr id="3" name="그림 2">
+            <a:extLst>
+              <a:ext uri="{FF2B5EF4-FFF2-40B4-BE49-F238E27FC236}">
+                <a16:creationId xmlns:a16="http://schemas.microsoft.com/office/drawing/2014/main" id="{E112A6D8-5921-4DC2-BEA4-0E6E593ECD3C}"/>
+              </a:ext>
+            </a:extLst>
+          </p:cNvPr>
+          <p:cNvPicPr>
+            <a:picLocks noChangeAspect="1"/>
+          </p:cNvPicPr>
+          <p:nvPr/>
+        </p:nvPicPr>
+        <p:blipFill>
+          <a:blip r:embed="rId2"/>
+          <a:stretch>
+            <a:fillRect/>
+          </a:stretch>
+        </p:blipFill>
+        <p:spPr>
+          <a:xfrm>
+            <a:off x="325571" y="4753673"/>
+            <a:ext cx="4850347" cy="1937429"/>
+          </a:xfrm>
+          <a:prstGeom prst="rect">
+            <a:avLst/>
+          </a:prstGeom>
+        </p:spPr>
+      </p:pic>
+      <p:pic>
+        <p:nvPicPr>
+          <p:cNvPr id="1026" name="Picture 2">
+            <a:extLst>
+              <a:ext uri="{FF2B5EF4-FFF2-40B4-BE49-F238E27FC236}">
+                <a16:creationId xmlns:a16="http://schemas.microsoft.com/office/drawing/2014/main" id="{59595CA9-95FE-4BFC-A3E3-A81D48C4F861}"/>
+              </a:ext>
+            </a:extLst>
+          </p:cNvPr>
+          <p:cNvPicPr>
+            <a:picLocks noChangeAspect="1" noChangeArrowheads="1"/>
+          </p:cNvPicPr>
+          <p:nvPr/>
+        </p:nvPicPr>
+        <p:blipFill>
+          <a:blip r:embed="rId3">
+            <a:extLst>
+              <a:ext uri="{28A0092B-C50C-407E-A947-70E740481C1C}">
+                <a14:useLocalDpi xmlns:a14="http://schemas.microsoft.com/office/drawing/2010/main" val="0"/>
+              </a:ext>
+            </a:extLst>
+          </a:blip>
+          <a:srcRect/>
+          <a:stretch>
+            <a:fillRect/>
+          </a:stretch>
+        </p:blipFill>
+        <p:spPr bwMode="auto">
+          <a:xfrm>
+            <a:off x="325571" y="1374971"/>
+            <a:ext cx="4850347" cy="3328872"/>
+          </a:xfrm>
+          <a:prstGeom prst="rect">
+            <a:avLst/>
+          </a:prstGeom>
+          <a:noFill/>
+          <a:extLst>
+            <a:ext uri="{909E8E84-426E-40DD-AFC4-6F175D3DCCD1}">
+              <a14:hiddenFill xmlns:a14="http://schemas.microsoft.com/office/drawing/2010/main">
+                <a:solidFill>
+                  <a:srgbClr val="FFFFFF"/>
+                </a:solidFill>
+              </a14:hiddenFill>
+            </a:ext>
+          </a:extLst>
+        </p:spPr>
+      </p:pic>
+      <p:sp>
+        <p:nvSpPr>
+          <p:cNvPr id="17" name="TextBox 16">
+            <a:extLst>
+              <a:ext uri="{FF2B5EF4-FFF2-40B4-BE49-F238E27FC236}">
+                <a16:creationId xmlns:a16="http://schemas.microsoft.com/office/drawing/2014/main" id="{33ECFB27-3293-430A-9124-4966DBCCB712}"/>
+              </a:ext>
+            </a:extLst>
+          </p:cNvPr>
+          <p:cNvSpPr txBox="1"/>
+          <p:nvPr/>
+        </p:nvSpPr>
+        <p:spPr>
+          <a:xfrm>
+            <a:off x="5175917" y="3278256"/>
+            <a:ext cx="6597867" cy="707886"/>
+          </a:xfrm>
+          <a:prstGeom prst="rect">
+            <a:avLst/>
+          </a:prstGeom>
+          <a:noFill/>
+        </p:spPr>
+        <p:txBody>
+          <a:bodyPr wrap="square">
+            <a:spAutoFit/>
+          </a:bodyPr>
+          <a:lstStyle/>
+          <a:p>
+            <a:pPr marL="342900" indent="-342900">
+              <a:buFontTx/>
+              <a:buChar char="-"/>
+            </a:pPr>
+            <a:r>
+              <a:rPr lang="en-US" altLang="ko-KR" sz="2000" spc="-150" dirty="0">
+                <a:solidFill>
+                  <a:prstClr val="black"/>
+                </a:solidFill>
+                <a:latin typeface="에스코어 드림 3 Light" panose="020B0303030302020204" pitchFamily="34" charset="-127"/>
+                <a:ea typeface="에스코어 드림 3 Light" panose="020B0303030302020204" pitchFamily="34" charset="-127"/>
+              </a:rPr>
+              <a:t>YOLOv5</a:t>
+            </a:r>
+            <a:r>
+              <a:rPr lang="ko-KR" altLang="en-US" sz="2000" spc="-150" dirty="0">
+                <a:solidFill>
+                  <a:prstClr val="black"/>
+                </a:solidFill>
+                <a:latin typeface="에스코어 드림 3 Light" panose="020B0303030302020204" pitchFamily="34" charset="-127"/>
+                <a:ea typeface="에스코어 드림 3 Light" panose="020B0303030302020204" pitchFamily="34" charset="-127"/>
+              </a:rPr>
+              <a:t>에는 모델 크기에 따라 </a:t>
+            </a:r>
+            <a:r>
+              <a:rPr lang="en-US" altLang="ko-KR" sz="2000" spc="-150" dirty="0">
+                <a:solidFill>
+                  <a:prstClr val="black"/>
+                </a:solidFill>
+                <a:latin typeface="에스코어 드림 3 Light" panose="020B0303030302020204" pitchFamily="34" charset="-127"/>
+                <a:ea typeface="에스코어 드림 3 Light" panose="020B0303030302020204" pitchFamily="34" charset="-127"/>
+              </a:rPr>
+              <a:t>s(small), m(medium), l(large), x(</a:t>
+            </a:r>
+            <a:r>
+              <a:rPr lang="en-US" altLang="ko-KR" sz="2000" spc="-150" dirty="0" err="1">
+                <a:solidFill>
+                  <a:prstClr val="black"/>
+                </a:solidFill>
+                <a:latin typeface="에스코어 드림 3 Light" panose="020B0303030302020204" pitchFamily="34" charset="-127"/>
+                <a:ea typeface="에스코어 드림 3 Light" panose="020B0303030302020204" pitchFamily="34" charset="-127"/>
+              </a:rPr>
+              <a:t>xlarge</a:t>
+            </a:r>
+            <a:r>
+              <a:rPr lang="en-US" altLang="ko-KR" sz="2000" spc="-150" dirty="0">
+                <a:solidFill>
+                  <a:prstClr val="black"/>
+                </a:solidFill>
+                <a:latin typeface="에스코어 드림 3 Light" panose="020B0303030302020204" pitchFamily="34" charset="-127"/>
+                <a:ea typeface="에스코어 드림 3 Light" panose="020B0303030302020204" pitchFamily="34" charset="-127"/>
+              </a:rPr>
+              <a:t>)</a:t>
+            </a:r>
+            <a:r>
+              <a:rPr lang="ko-KR" altLang="en-US" sz="2000" spc="-150" dirty="0">
+                <a:solidFill>
+                  <a:prstClr val="black"/>
+                </a:solidFill>
+                <a:latin typeface="에스코어 드림 3 Light" panose="020B0303030302020204" pitchFamily="34" charset="-127"/>
+                <a:ea typeface="에스코어 드림 3 Light" panose="020B0303030302020204" pitchFamily="34" charset="-127"/>
+              </a:rPr>
+              <a:t>로 구분</a:t>
+            </a:r>
+            <a:endParaRPr lang="en-US" altLang="ko-KR" sz="2000" spc="-150" dirty="0">
+              <a:solidFill>
+                <a:prstClr val="black"/>
+              </a:solidFill>
+              <a:latin typeface="에스코어 드림 3 Light" panose="020B0303030302020204" pitchFamily="34" charset="-127"/>
+              <a:ea typeface="에스코어 드림 3 Light" panose="020B0303030302020204" pitchFamily="34" charset="-127"/>
+            </a:endParaRPr>
+          </a:p>
+        </p:txBody>
+      </p:sp>
+      <p:sp>
+        <p:nvSpPr>
+          <p:cNvPr id="21" name="TextBox 20">
+            <a:extLst>
+              <a:ext uri="{FF2B5EF4-FFF2-40B4-BE49-F238E27FC236}">
+                <a16:creationId xmlns:a16="http://schemas.microsoft.com/office/drawing/2014/main" id="{F8DF984D-8B54-4313-893C-CB4CECE3447E}"/>
+              </a:ext>
+            </a:extLst>
+          </p:cNvPr>
+          <p:cNvSpPr txBox="1"/>
+          <p:nvPr/>
+        </p:nvSpPr>
+        <p:spPr>
+          <a:xfrm>
+            <a:off x="5175917" y="2346178"/>
+            <a:ext cx="7022490" cy="707886"/>
+          </a:xfrm>
+          <a:prstGeom prst="rect">
+            <a:avLst/>
+          </a:prstGeom>
+          <a:noFill/>
+        </p:spPr>
+        <p:txBody>
+          <a:bodyPr wrap="square">
+            <a:spAutoFit/>
+          </a:bodyPr>
+          <a:lstStyle/>
+          <a:p>
+            <a:pPr marL="342900" indent="-342900">
+              <a:buFontTx/>
+              <a:buChar char="-"/>
+            </a:pPr>
+            <a:r>
+              <a:rPr lang="en-US" altLang="ko-KR" sz="2000" spc="-150" dirty="0">
+                <a:solidFill>
+                  <a:prstClr val="black"/>
+                </a:solidFill>
+                <a:latin typeface="에스코어 드림 3 Light" panose="020B0303030302020204" pitchFamily="34" charset="-127"/>
+                <a:ea typeface="에스코어 드림 3 Light" panose="020B0303030302020204" pitchFamily="34" charset="-127"/>
+              </a:rPr>
+              <a:t>YOLOv4</a:t>
+            </a:r>
+            <a:r>
+              <a:rPr lang="ko-KR" altLang="en-US" sz="2000" spc="-150" dirty="0">
+                <a:solidFill>
+                  <a:prstClr val="black"/>
+                </a:solidFill>
+                <a:latin typeface="에스코어 드림 3 Light" panose="020B0303030302020204" pitchFamily="34" charset="-127"/>
+                <a:ea typeface="에스코어 드림 3 Light" panose="020B0303030302020204" pitchFamily="34" charset="-127"/>
+              </a:rPr>
+              <a:t>와 </a:t>
+            </a:r>
+            <a:r>
+              <a:rPr lang="en-US" altLang="ko-KR" sz="2000" spc="-150" dirty="0">
+                <a:solidFill>
+                  <a:prstClr val="black"/>
+                </a:solidFill>
+                <a:latin typeface="에스코어 드림 3 Light" panose="020B0303030302020204" pitchFamily="34" charset="-127"/>
+                <a:ea typeface="에스코어 드림 3 Light" panose="020B0303030302020204" pitchFamily="34" charset="-127"/>
+              </a:rPr>
+              <a:t>YOLOv5</a:t>
+            </a:r>
+            <a:r>
+              <a:rPr lang="ko-KR" altLang="en-US" sz="2000" spc="-150" dirty="0">
+                <a:solidFill>
+                  <a:prstClr val="black"/>
+                </a:solidFill>
+                <a:latin typeface="에스코어 드림 3 Light" panose="020B0303030302020204" pitchFamily="34" charset="-127"/>
+                <a:ea typeface="에스코어 드림 3 Light" panose="020B0303030302020204" pitchFamily="34" charset="-127"/>
+              </a:rPr>
+              <a:t>의 모델구조</a:t>
+            </a:r>
+            <a:r>
+              <a:rPr lang="en-US" altLang="ko-KR" sz="2000" spc="-150" dirty="0">
+                <a:solidFill>
+                  <a:prstClr val="black"/>
+                </a:solidFill>
+                <a:latin typeface="에스코어 드림 3 Light" panose="020B0303030302020204" pitchFamily="34" charset="-127"/>
+                <a:ea typeface="에스코어 드림 3 Light" panose="020B0303030302020204" pitchFamily="34" charset="-127"/>
+              </a:rPr>
+              <a:t>, </a:t>
+            </a:r>
+            <a:r>
+              <a:rPr lang="ko-KR" altLang="en-US" sz="2000" spc="-150" dirty="0">
+                <a:solidFill>
+                  <a:prstClr val="black"/>
+                </a:solidFill>
+                <a:latin typeface="에스코어 드림 3 Light" panose="020B0303030302020204" pitchFamily="34" charset="-127"/>
+                <a:ea typeface="에스코어 드림 3 Light" panose="020B0303030302020204" pitchFamily="34" charset="-127"/>
+              </a:rPr>
+              <a:t>성능이 비슷하지만 </a:t>
+            </a:r>
+            <a:r>
+              <a:rPr lang="en-US" altLang="ko-KR" sz="2000" spc="-150" dirty="0">
+                <a:solidFill>
+                  <a:prstClr val="black"/>
+                </a:solidFill>
+                <a:latin typeface="에스코어 드림 3 Light" panose="020B0303030302020204" pitchFamily="34" charset="-127"/>
+                <a:ea typeface="에스코어 드림 3 Light" panose="020B0303030302020204" pitchFamily="34" charset="-127"/>
+              </a:rPr>
+              <a:t>YOLOv5</a:t>
+            </a:r>
+            <a:r>
+              <a:rPr lang="ko-KR" altLang="en-US" sz="2000" spc="-150" dirty="0">
+                <a:solidFill>
+                  <a:prstClr val="black"/>
+                </a:solidFill>
+                <a:latin typeface="에스코어 드림 3 Light" panose="020B0303030302020204" pitchFamily="34" charset="-127"/>
+                <a:ea typeface="에스코어 드림 3 Light" panose="020B0303030302020204" pitchFamily="34" charset="-127"/>
+              </a:rPr>
+              <a:t>가 학습 속도가  더 빠르고 모델 용량이 적다는 장점이 있음</a:t>
+            </a:r>
+            <a:endParaRPr lang="en-US" altLang="ko-KR" sz="2000" spc="-150" dirty="0">
+              <a:solidFill>
+                <a:prstClr val="black"/>
+              </a:solidFill>
+              <a:latin typeface="에스코어 드림 3 Light" panose="020B0303030302020204" pitchFamily="34" charset="-127"/>
+              <a:ea typeface="에스코어 드림 3 Light" panose="020B0303030302020204" pitchFamily="34" charset="-127"/>
+            </a:endParaRPr>
+          </a:p>
+        </p:txBody>
+      </p:sp>
+      <p:sp>
+        <p:nvSpPr>
+          <p:cNvPr id="27" name="TextBox 26">
+            <a:extLst>
+              <a:ext uri="{FF2B5EF4-FFF2-40B4-BE49-F238E27FC236}">
+                <a16:creationId xmlns:a16="http://schemas.microsoft.com/office/drawing/2014/main" id="{9F37E54A-0FE3-4AAC-B387-954EFD9B7A44}"/>
+              </a:ext>
+            </a:extLst>
+          </p:cNvPr>
+          <p:cNvSpPr txBox="1"/>
+          <p:nvPr/>
+        </p:nvSpPr>
+        <p:spPr>
+          <a:xfrm>
+            <a:off x="5175917" y="4210334"/>
+            <a:ext cx="6597866" cy="1015663"/>
+          </a:xfrm>
+          <a:prstGeom prst="rect">
+            <a:avLst/>
+          </a:prstGeom>
+          <a:noFill/>
+        </p:spPr>
+        <p:txBody>
+          <a:bodyPr wrap="square">
+            <a:spAutoFit/>
+          </a:bodyPr>
+          <a:lstStyle/>
+          <a:p>
+            <a:pPr marL="342900" indent="-342900">
+              <a:buFontTx/>
+              <a:buChar char="-"/>
+            </a:pPr>
+            <a:r>
+              <a:rPr lang="ko-KR" altLang="en-US" sz="2000" spc="-150" dirty="0">
+                <a:solidFill>
+                  <a:prstClr val="black"/>
+                </a:solidFill>
+                <a:latin typeface="에스코어 드림 3 Light" panose="020B0303030302020204" pitchFamily="34" charset="-127"/>
+                <a:ea typeface="에스코어 드림 3 Light" panose="020B0303030302020204" pitchFamily="34" charset="-127"/>
+              </a:rPr>
+              <a:t>모델 크기가 작을수록 속도 측면에서 장점이 있고 모델 크기가 커질수록 속도는 느려지지만 정확도가 상승하는 특징을 확인</a:t>
+            </a:r>
+            <a:endParaRPr lang="en-US" altLang="ko-KR" sz="2000" spc="-150" dirty="0">
+              <a:solidFill>
+                <a:prstClr val="black"/>
+              </a:solidFill>
+              <a:latin typeface="에스코어 드림 3 Light" panose="020B0303030302020204" pitchFamily="34" charset="-127"/>
+              <a:ea typeface="에스코어 드림 3 Light" panose="020B0303030302020204" pitchFamily="34" charset="-127"/>
+            </a:endParaRPr>
+          </a:p>
+        </p:txBody>
+      </p:sp>
+      <p:sp>
+        <p:nvSpPr>
+          <p:cNvPr id="28" name="TextBox 27">
+            <a:extLst>
+              <a:ext uri="{FF2B5EF4-FFF2-40B4-BE49-F238E27FC236}">
+                <a16:creationId xmlns:a16="http://schemas.microsoft.com/office/drawing/2014/main" id="{6BCDC610-F505-4DEE-896F-0E4196800349}"/>
+              </a:ext>
+            </a:extLst>
+          </p:cNvPr>
+          <p:cNvSpPr txBox="1"/>
+          <p:nvPr/>
+        </p:nvSpPr>
+        <p:spPr>
+          <a:xfrm>
+            <a:off x="5175917" y="5450188"/>
+            <a:ext cx="6597866" cy="707886"/>
+          </a:xfrm>
+          <a:prstGeom prst="rect">
+            <a:avLst/>
+          </a:prstGeom>
+          <a:noFill/>
+        </p:spPr>
+        <p:txBody>
+          <a:bodyPr wrap="square">
+            <a:spAutoFit/>
+          </a:bodyPr>
+          <a:lstStyle/>
+          <a:p>
+            <a:pPr marL="342900" indent="-342900">
+              <a:buFontTx/>
+              <a:buChar char="-"/>
+            </a:pPr>
+            <a:r>
+              <a:rPr lang="ko-KR" altLang="en-US" sz="2000" spc="-150" dirty="0">
+                <a:solidFill>
+                  <a:prstClr val="black"/>
+                </a:solidFill>
+                <a:latin typeface="에스코어 드림 3 Light" panose="020B0303030302020204" pitchFamily="34" charset="-127"/>
+                <a:ea typeface="에스코어 드림 3 Light" panose="020B0303030302020204" pitchFamily="34" charset="-127"/>
+              </a:rPr>
+              <a:t>따라서 실시간으로 안전장비를 처리해야 하는 점을 고려하여 </a:t>
+            </a:r>
+            <a:r>
+              <a:rPr lang="en-US" altLang="ko-KR" sz="2000" spc="-150" dirty="0">
+                <a:solidFill>
+                  <a:prstClr val="black"/>
+                </a:solidFill>
+                <a:latin typeface="에스코어 드림 3 Light" panose="020B0303030302020204" pitchFamily="34" charset="-127"/>
+                <a:ea typeface="에스코어 드림 3 Light" panose="020B0303030302020204" pitchFamily="34" charset="-127"/>
+              </a:rPr>
+              <a:t>YOLOv5-s </a:t>
+            </a:r>
+            <a:r>
+              <a:rPr lang="ko-KR" altLang="en-US" sz="2000" spc="-150" dirty="0">
+                <a:solidFill>
+                  <a:prstClr val="black"/>
+                </a:solidFill>
+                <a:latin typeface="에스코어 드림 3 Light" panose="020B0303030302020204" pitchFamily="34" charset="-127"/>
+                <a:ea typeface="에스코어 드림 3 Light" panose="020B0303030302020204" pitchFamily="34" charset="-127"/>
+              </a:rPr>
+              <a:t>모델을 선정 </a:t>
+            </a:r>
+            <a:endParaRPr lang="en-US" altLang="ko-KR" sz="2000" spc="-150" dirty="0">
+              <a:solidFill>
+                <a:prstClr val="black"/>
+              </a:solidFill>
+              <a:latin typeface="에스코어 드림 3 Light" panose="020B0303030302020204" pitchFamily="34" charset="-127"/>
+              <a:ea typeface="에스코어 드림 3 Light" panose="020B0303030302020204" pitchFamily="34" charset="-127"/>
+            </a:endParaRPr>
+          </a:p>
+        </p:txBody>
+      </p:sp>
+    </p:spTree>
+    <p:extLst>
+      <p:ext uri="{BB962C8B-B14F-4D97-AF65-F5344CB8AC3E}">
+        <p14:creationId xmlns:p14="http://schemas.microsoft.com/office/powerpoint/2010/main" val="3972255217"/>
+      </p:ext>
+    </p:extLst>
+  </p:cSld>
+  <p:clrMapOvr>
+    <a:masterClrMapping/>
+  </p:clrMapOvr>
+</p:sld>
+</file>
+
+<file path=ppt/slides/slide12.xml><?xml version="1.0" encoding="utf-8"?>
+<p:sld xmlns:a="http://schemas.openxmlformats.org/drawingml/2006/main" xmlns:r="http://schemas.openxmlformats.org/officeDocument/2006/relationships" xmlns:p="http://schemas.openxmlformats.org/presentationml/2006/main">
+  <p:cSld>
+    <p:spTree>
+      <p:nvGrpSpPr>
+        <p:cNvPr id="1" name=""/>
+        <p:cNvGrpSpPr/>
+        <p:nvPr/>
+      </p:nvGrpSpPr>
+      <p:grpSpPr>
+        <a:xfrm>
+          <a:off x="0" y="0"/>
+          <a:ext cx="0" cy="0"/>
+          <a:chOff x="0" y="0"/>
+          <a:chExt cx="0" cy="0"/>
+        </a:xfrm>
+      </p:grpSpPr>
       <p:cxnSp>
         <p:nvCxnSpPr>
           <p:cNvPr id="21" name="직선 연결선 20">
@@ -5144,58 +5990,6 @@
           <a:bodyPr rtlCol="0" anchor="ctr"/>
           <a:lstStyle/>
           <a:p>
-            <a:pPr marL="342900" indent="-342900">
-              <a:buFontTx/>
-              <a:buChar char="-"/>
-            </a:pPr>
-            <a:r>
-              <a:rPr lang="en-US" altLang="ko-KR" sz="2000" dirty="0" err="1">
-                <a:solidFill>
-                  <a:schemeClr val="tx1"/>
-                </a:solidFill>
-                <a:ea typeface="에스코어 드림 3 Light" panose="020B0303030302020204"/>
-              </a:rPr>
-              <a:t>Yolact</a:t>
-            </a:r>
-            <a:r>
-              <a:rPr lang="ko-KR" altLang="en-US" sz="2000" dirty="0">
-                <a:solidFill>
-                  <a:schemeClr val="tx1"/>
-                </a:solidFill>
-                <a:ea typeface="에스코어 드림 3 Light" panose="020B0303030302020204"/>
-              </a:rPr>
-              <a:t>와 </a:t>
-            </a:r>
-            <a:r>
-              <a:rPr lang="en-US" altLang="ko-KR" sz="2000" dirty="0">
-                <a:solidFill>
-                  <a:schemeClr val="tx1"/>
-                </a:solidFill>
-                <a:ea typeface="에스코어 드림 3 Light" panose="020B0303030302020204"/>
-              </a:rPr>
-              <a:t>YOLOv5 </a:t>
-            </a:r>
-            <a:r>
-              <a:rPr lang="ko-KR" altLang="en-US" sz="2000" dirty="0">
-                <a:solidFill>
-                  <a:schemeClr val="tx1"/>
-                </a:solidFill>
-                <a:ea typeface="에스코어 드림 3 Light" panose="020B0303030302020204"/>
-              </a:rPr>
-              <a:t>모델을 이용하여 학습 및 객체 탐지를 진행하고 정확도를 비교하여 사용할 모델 선정</a:t>
-            </a:r>
-            <a:endParaRPr lang="en-US" altLang="ko-KR" sz="2000" dirty="0">
-              <a:solidFill>
-                <a:schemeClr val="tx1"/>
-              </a:solidFill>
-              <a:ea typeface="에스코어 드림 3 Light" panose="020B0303030302020204"/>
-            </a:endParaRPr>
-          </a:p>
-          <a:p>
-            <a:pPr marL="342900" indent="-342900">
-              <a:buFontTx/>
-              <a:buChar char="-"/>
-            </a:pPr>
             <a:endParaRPr lang="en-US" altLang="ko-KR" sz="2000" dirty="0">
               <a:solidFill>
                 <a:schemeClr val="tx1"/>
@@ -5343,7 +6137,7 @@
                 <a:latin typeface="에스코어 드림 9 Black" panose="020B0A03030302020204" pitchFamily="34" charset="-127"/>
                 <a:ea typeface="에스코어 드림 9 Black" panose="020B0A03030302020204" pitchFamily="34" charset="-127"/>
               </a:rPr>
-              <a:t>04</a:t>
+              <a:t>05</a:t>
             </a:r>
             <a:endParaRPr lang="ko-KR" altLang="en-US" sz="4400" spc="-300" dirty="0">
               <a:latin typeface="에스코어 드림 9 Black" panose="020B0A03030302020204" pitchFamily="34" charset="-127"/>
@@ -5413,7 +6207,7 @@
           <a:p>
             <a:fld id="{8D2D09E4-BCE1-4B3A-90ED-26E55CBEC274}" type="slidenum">
               <a:rPr lang="ko-KR" altLang="en-US" smtClean="0"/>
-              <a:t>11</a:t>
+              <a:t>12</a:t>
             </a:fld>
             <a:endParaRPr lang="ko-KR" altLang="en-US"/>
           </a:p>
@@ -5554,7 +6348,7 @@
 </p:sld>
 </file>
 
-<file path=ppt/slides/slide12.xml><?xml version="1.0" encoding="utf-8"?>
+<file path=ppt/slides/slide13.xml><?xml version="1.0" encoding="utf-8"?>
 <p:sld xmlns:a="http://schemas.openxmlformats.org/drawingml/2006/main" xmlns:r="http://schemas.openxmlformats.org/officeDocument/2006/relationships" xmlns:p="http://schemas.openxmlformats.org/presentationml/2006/main">
   <p:cSld>
     <p:spTree>
@@ -5813,6 +6607,106 @@
             <a:endParaRPr lang="en-US" altLang="ko-KR" dirty="0"/>
           </a:p>
           <a:p>
+            <a:pPr marR="0" algn="l" fontAlgn="base" latinLnBrk="1">
+              <a:lnSpc>
+                <a:spcPct val="160000"/>
+              </a:lnSpc>
+              <a:spcBef>
+                <a:spcPts val="0"/>
+              </a:spcBef>
+              <a:spcAft>
+                <a:spcPts val="0"/>
+              </a:spcAft>
+            </a:pPr>
+            <a:r>
+              <a:rPr lang="en-US" altLang="ko-KR" kern="0" dirty="0">
+                <a:solidFill>
+                  <a:srgbClr val="000000"/>
+                </a:solidFill>
+                <a:latin typeface="휴먼명조"/>
+                <a:ea typeface="휴먼명조"/>
+              </a:rPr>
+              <a:t>YOLOv5: </a:t>
+            </a:r>
+            <a:r>
+              <a:rPr lang="en-US" altLang="ko-KR" u="sng" dirty="0">
+                <a:solidFill>
+                  <a:srgbClr val="0563C1"/>
+                </a:solidFill>
+                <a:hlinkClick r:id="rId4"/>
+              </a:rPr>
+              <a:t>https://github.com/ultralytics/yolov5</a:t>
+            </a:r>
+            <a:endParaRPr lang="en-US" altLang="ko-KR" u="sng" dirty="0">
+              <a:solidFill>
+                <a:srgbClr val="0563C1"/>
+              </a:solidFill>
+            </a:endParaRPr>
+          </a:p>
+          <a:p>
+            <a:pPr marR="0" algn="l" fontAlgn="base" latinLnBrk="1">
+              <a:lnSpc>
+                <a:spcPct val="160000"/>
+              </a:lnSpc>
+              <a:spcBef>
+                <a:spcPts val="0"/>
+              </a:spcBef>
+              <a:spcAft>
+                <a:spcPts val="0"/>
+              </a:spcAft>
+            </a:pPr>
+            <a:r>
+              <a:rPr lang="en-US" altLang="ko-KR" sz="1800" kern="0" spc="0" dirty="0">
+                <a:solidFill>
+                  <a:srgbClr val="000000"/>
+                </a:solidFill>
+                <a:effectLst/>
+                <a:latin typeface="휴먼명조"/>
+                <a:ea typeface="휴먼명조"/>
+              </a:rPr>
+              <a:t>            </a:t>
+            </a:r>
+            <a:r>
+              <a:rPr lang="en-US" altLang="ko-KR" dirty="0">
+                <a:hlinkClick r:id="rId5"/>
+              </a:rPr>
+              <a:t>YOLOv5 New Version - Improvements And Evaluation (roboflow.com)</a:t>
+            </a:r>
+            <a:r>
+              <a:rPr lang="en-US" altLang="ko-KR" dirty="0"/>
+              <a:t>,</a:t>
+            </a:r>
+            <a:endParaRPr lang="en-US" altLang="ko-KR" sz="1800" u="sng" kern="0" spc="0" dirty="0">
+              <a:solidFill>
+                <a:srgbClr val="0563C1"/>
+              </a:solidFill>
+              <a:effectLst/>
+              <a:latin typeface="휴먼명조"/>
+              <a:ea typeface="휴먼명조"/>
+            </a:endParaRPr>
+          </a:p>
+          <a:p>
+            <a:pPr marR="0" algn="l" fontAlgn="base" latinLnBrk="1">
+              <a:lnSpc>
+                <a:spcPct val="160000"/>
+              </a:lnSpc>
+              <a:spcBef>
+                <a:spcPts val="0"/>
+              </a:spcBef>
+              <a:spcAft>
+                <a:spcPts val="0"/>
+              </a:spcAft>
+            </a:pPr>
+            <a:endParaRPr lang="en-US" altLang="ko-KR" sz="1800" kern="0" spc="0" dirty="0">
+              <a:solidFill>
+                <a:srgbClr val="000000"/>
+              </a:solidFill>
+              <a:effectLst/>
+              <a:latin typeface="휴먼명조"/>
+              <a:ea typeface="휴먼명조"/>
+            </a:endParaRPr>
+          </a:p>
+          <a:p>
             <a:pPr marL="285750" marR="0" indent="-285750" algn="l" fontAlgn="base" latinLnBrk="1">
               <a:lnSpc>
                 <a:spcPct val="160000"/>
@@ -5826,29 +6720,6 @@
               <a:buFontTx/>
               <a:buChar char="-"/>
             </a:pPr>
-            <a:endParaRPr lang="en-US" altLang="ko-KR" sz="1800" kern="0" spc="0" dirty="0">
-              <a:solidFill>
-                <a:srgbClr val="000000"/>
-              </a:solidFill>
-              <a:effectLst/>
-              <a:latin typeface="휴먼명조"/>
-              <a:ea typeface="휴먼명조"/>
-            </a:endParaRPr>
-          </a:p>
-          <a:p>
-            <a:pPr marL="285750" marR="0" indent="-285750" algn="l" fontAlgn="base" latinLnBrk="1">
-              <a:lnSpc>
-                <a:spcPct val="160000"/>
-              </a:lnSpc>
-              <a:spcBef>
-                <a:spcPts val="0"/>
-              </a:spcBef>
-              <a:spcAft>
-                <a:spcPts val="0"/>
-              </a:spcAft>
-              <a:buFontTx/>
-              <a:buChar char="-"/>
-            </a:pPr>
             <a:r>
               <a:rPr lang="ko-KR" altLang="en-US" sz="1800" kern="0" spc="0" dirty="0">
                 <a:solidFill>
@@ -5901,19 +6772,19 @@
             </a:r>
             <a:r>
               <a:rPr lang="en-US" altLang="ko-KR" dirty="0">
-                <a:hlinkClick r:id="rId4"/>
+                <a:hlinkClick r:id="rId6"/>
               </a:rPr>
               <a:t>Python - </a:t>
             </a:r>
             <a:r>
               <a:rPr lang="ko-KR" altLang="en-US" dirty="0">
-                <a:hlinkClick r:id="rId4"/>
+                <a:hlinkClick r:id="rId6"/>
               </a:rPr>
               <a:t>폴더의 모든 파일 리스트 가져오기 </a:t>
             </a:r>
             <a:r>
               <a:rPr lang="en-US" altLang="ko-KR" dirty="0">
-                <a:hlinkClick r:id="rId4"/>
+                <a:hlinkClick r:id="rId6"/>
               </a:rPr>
               <a:t>(codechacha.com)</a:t>
             </a:r>
@@ -5982,67 +6853,67 @@
             </a:r>
             <a:r>
               <a:rPr lang="en-US" altLang="ko-KR" dirty="0">
-                <a:hlinkClick r:id="rId5"/>
+                <a:hlinkClick r:id="rId7"/>
               </a:rPr>
               <a:t>Python</a:t>
             </a:r>
             <a:r>
               <a:rPr lang="ko-KR" altLang="en-US" dirty="0">
-                <a:hlinkClick r:id="rId5"/>
+                <a:hlinkClick r:id="rId7"/>
               </a:rPr>
               <a:t>에서 </a:t>
             </a:r>
             <a:r>
               <a:rPr lang="en-US" altLang="ko-KR" dirty="0" err="1">
-                <a:hlinkClick r:id="rId5"/>
+                <a:hlinkClick r:id="rId7"/>
               </a:rPr>
               <a:t>json</a:t>
             </a:r>
             <a:r>
               <a:rPr lang="ko-KR" altLang="en-US" dirty="0">
-                <a:hlinkClick r:id="rId5"/>
+                <a:hlinkClick r:id="rId7"/>
               </a:rPr>
               <a:t>파일 다루기 </a:t>
             </a:r>
             <a:r>
               <a:rPr lang="en-US" altLang="ko-KR" dirty="0">
-                <a:hlinkClick r:id="rId5"/>
+                <a:hlinkClick r:id="rId7"/>
               </a:rPr>
               <a:t>(</a:t>
             </a:r>
             <a:r>
               <a:rPr lang="ko-KR" altLang="en-US" dirty="0">
-                <a:hlinkClick r:id="rId5"/>
+                <a:hlinkClick r:id="rId7"/>
               </a:rPr>
               <a:t>읽기</a:t>
             </a:r>
             <a:r>
               <a:rPr lang="en-US" altLang="ko-KR" dirty="0">
-                <a:hlinkClick r:id="rId5"/>
+                <a:hlinkClick r:id="rId7"/>
               </a:rPr>
               <a:t>, </a:t>
             </a:r>
             <a:r>
               <a:rPr lang="ko-KR" altLang="en-US" dirty="0">
-                <a:hlinkClick r:id="rId5"/>
+                <a:hlinkClick r:id="rId7"/>
               </a:rPr>
               <a:t>쓰기</a:t>
             </a:r>
             <a:r>
               <a:rPr lang="en-US" altLang="ko-KR" dirty="0">
-                <a:hlinkClick r:id="rId5"/>
+                <a:hlinkClick r:id="rId7"/>
               </a:rPr>
               <a:t>, </a:t>
             </a:r>
             <a:r>
               <a:rPr lang="ko-KR" altLang="en-US" dirty="0">
-                <a:hlinkClick r:id="rId5"/>
+                <a:hlinkClick r:id="rId7"/>
               </a:rPr>
               <a:t>수정</a:t>
             </a:r>
             <a:r>
               <a:rPr lang="en-US" altLang="ko-KR" dirty="0">
-                <a:hlinkClick r:id="rId5"/>
+                <a:hlinkClick r:id="rId7"/>
               </a:rPr>
               <a:t>) (tistory.com)</a:t>
             </a:r>
@@ -6153,7 +7024,7 @@
           <a:p>
             <a:fld id="{8D2D09E4-BCE1-4B3A-90ED-26E55CBEC274}" type="slidenum">
               <a:rPr lang="ko-KR" altLang="en-US" smtClean="0"/>
-              <a:t>12</a:t>
+              <a:t>13</a:t>
             </a:fld>
             <a:endParaRPr lang="ko-KR" altLang="en-US"/>
           </a:p>
@@ -6294,7 +7165,7 @@
 </p:sld>
 </file>
 
-<file path=ppt/slides/slide13.xml><?xml version="1.0" encoding="utf-8"?>
+<file path=ppt/slides/slide14.xml><?xml version="1.0" encoding="utf-8"?>
 <p:sld xmlns:a="http://schemas.openxmlformats.org/drawingml/2006/main" xmlns:r="http://schemas.openxmlformats.org/officeDocument/2006/relationships" xmlns:p="http://schemas.openxmlformats.org/presentationml/2006/main">
   <p:cSld>
     <p:spTree>
@@ -6664,7 +7535,7 @@
           <a:p>
             <a:fld id="{8D2D09E4-BCE1-4B3A-90ED-26E55CBEC274}" type="slidenum">
               <a:rPr lang="ko-KR" altLang="en-US" smtClean="0"/>
-              <a:t>13</a:t>
+              <a:t>14</a:t>
             </a:fld>
             <a:endParaRPr lang="ko-KR" altLang="en-US"/>
           </a:p>
@@ -7060,7 +7931,7 @@
         </p:nvGrpSpPr>
         <p:grpSpPr>
           <a:xfrm>
-            <a:off x="2774283" y="2545161"/>
+            <a:off x="1945355" y="2321004"/>
             <a:ext cx="3317207" cy="1107996"/>
             <a:chOff x="2314813" y="2047120"/>
             <a:chExt cx="3317207" cy="1107996"/>
@@ -7292,7 +8163,7 @@
         </p:nvGrpSpPr>
         <p:grpSpPr>
           <a:xfrm>
-            <a:off x="6158811" y="3821511"/>
+            <a:off x="4749460" y="3267838"/>
             <a:ext cx="3049609" cy="1107996"/>
             <a:chOff x="4758896" y="3144044"/>
             <a:chExt cx="3049609" cy="1107996"/>
@@ -7450,7 +8321,7 @@
                   <a:latin typeface="에스코어 드림 9 Black" panose="020B0A03030302020204" pitchFamily="34" charset="-127"/>
                   <a:ea typeface="에스코어 드림 9 Black" panose="020B0A03030302020204" pitchFamily="34" charset="-127"/>
                 </a:rPr>
-                <a:t>04 </a:t>
+                <a:t>05 </a:t>
               </a:r>
               <a:endParaRPr lang="ko-KR" altLang="en-US" sz="6000" spc="-300" dirty="0">
                 <a:latin typeface="에스코어 드림 9 Black" panose="020B0A03030302020204" pitchFamily="34" charset="-127"/>
@@ -7629,6 +8500,116 @@
             </a:fontRef>
           </p:style>
         </p:cxnSp>
+      </p:grpSp>
+      <p:grpSp>
+        <p:nvGrpSpPr>
+          <p:cNvPr id="22" name="그룹 21">
+            <a:extLst>
+              <a:ext uri="{FF2B5EF4-FFF2-40B4-BE49-F238E27FC236}">
+                <a16:creationId xmlns:a16="http://schemas.microsoft.com/office/drawing/2014/main" id="{88899129-2C9E-429C-B52B-7C5382FD5E70}"/>
+              </a:ext>
+            </a:extLst>
+          </p:cNvPr>
+          <p:cNvGrpSpPr/>
+          <p:nvPr/>
+        </p:nvGrpSpPr>
+        <p:grpSpPr>
+          <a:xfrm>
+            <a:off x="7078323" y="3989865"/>
+            <a:ext cx="3049609" cy="1107996"/>
+            <a:chOff x="4758896" y="3144044"/>
+            <a:chExt cx="3049609" cy="1107996"/>
+          </a:xfrm>
+        </p:grpSpPr>
+        <p:sp>
+          <p:nvSpPr>
+            <p:cNvPr id="23" name="TextBox 22">
+              <a:extLst>
+                <a:ext uri="{FF2B5EF4-FFF2-40B4-BE49-F238E27FC236}">
+                  <a16:creationId xmlns:a16="http://schemas.microsoft.com/office/drawing/2014/main" id="{E7655DD5-61D4-4767-991C-9680774C922C}"/>
+                </a:ext>
+              </a:extLst>
+            </p:cNvPr>
+            <p:cNvSpPr txBox="1"/>
+            <p:nvPr/>
+          </p:nvSpPr>
+          <p:spPr>
+            <a:xfrm rot="16200000" flipV="1">
+              <a:off x="4879594" y="3023346"/>
+              <a:ext cx="1107996" cy="1349392"/>
+            </a:xfrm>
+            <a:prstGeom prst="rect">
+              <a:avLst/>
+            </a:prstGeom>
+          </p:spPr>
+          <p:txBody>
+            <a:bodyPr vert="vert270" wrap="square" rtlCol="0">
+              <a:spAutoFit/>
+            </a:bodyPr>
+            <a:lstStyle/>
+            <a:p>
+              <a:r>
+                <a:rPr lang="en-US" altLang="ko-KR" sz="6000" spc="-300" dirty="0">
+                  <a:latin typeface="에스코어 드림 9 Black" panose="020B0A03030302020204" pitchFamily="34" charset="-127"/>
+                  <a:ea typeface="에스코어 드림 9 Black" panose="020B0A03030302020204" pitchFamily="34" charset="-127"/>
+                </a:rPr>
+                <a:t>04 </a:t>
+              </a:r>
+              <a:endParaRPr lang="ko-KR" altLang="en-US" sz="6000" spc="-300" dirty="0">
+                <a:latin typeface="에스코어 드림 9 Black" panose="020B0A03030302020204" pitchFamily="34" charset="-127"/>
+                <a:ea typeface="에스코어 드림 9 Black" panose="020B0A03030302020204" pitchFamily="34" charset="-127"/>
+              </a:endParaRPr>
+            </a:p>
+          </p:txBody>
+        </p:sp>
+        <p:sp>
+          <p:nvSpPr>
+            <p:cNvPr id="24" name="TextBox 23">
+              <a:extLst>
+                <a:ext uri="{FF2B5EF4-FFF2-40B4-BE49-F238E27FC236}">
+                  <a16:creationId xmlns:a16="http://schemas.microsoft.com/office/drawing/2014/main" id="{503F4BEA-FEA0-4D0B-997B-9D9600FBC235}"/>
+                </a:ext>
+              </a:extLst>
+            </p:cNvPr>
+            <p:cNvSpPr txBox="1"/>
+            <p:nvPr/>
+          </p:nvSpPr>
+          <p:spPr>
+            <a:xfrm>
+              <a:off x="5649559" y="3467210"/>
+              <a:ext cx="2158946" cy="461665"/>
+            </a:xfrm>
+            <a:prstGeom prst="rect">
+              <a:avLst/>
+            </a:prstGeom>
+            <a:noFill/>
+          </p:spPr>
+          <p:txBody>
+            <a:bodyPr wrap="square" rtlCol="0">
+              <a:spAutoFit/>
+            </a:bodyPr>
+            <a:lstStyle/>
+            <a:p>
+              <a:r>
+                <a:rPr lang="ko-KR" altLang="en-US" sz="2400" dirty="0">
+                  <a:solidFill>
+                    <a:prstClr val="black"/>
+                  </a:solidFill>
+                  <a:latin typeface="에스코어 드림 3 Light" panose="020B0303030302020204" pitchFamily="34" charset="-127"/>
+                  <a:ea typeface="에스코어 드림 3 Light" panose="020B0303030302020204" pitchFamily="34" charset="-127"/>
+                </a:rPr>
+                <a:t>모델 선정</a:t>
+              </a:r>
+              <a:endParaRPr lang="en-US" altLang="ko-KR" sz="2400" dirty="0">
+                <a:solidFill>
+                  <a:prstClr val="black"/>
+                </a:solidFill>
+                <a:latin typeface="에스코어 드림 3 Light" panose="020B0303030302020204" pitchFamily="34" charset="-127"/>
+                <a:ea typeface="에스코어 드림 3 Light" panose="020B0303030302020204" pitchFamily="34" charset="-127"/>
+              </a:endParaRPr>
+            </a:p>
+          </p:txBody>
+        </p:sp>
       </p:grpSp>
     </p:spTree>
     <p:extLst>

--- a/7주차/중간결과 발표자료.pptx
+++ b/7주차/중간결과 발표자료.pptx
@@ -210,7 +210,7 @@
           <a:p>
             <a:fld id="{18AE0CE5-F90F-4BDF-B41A-BB6D5DA4ADFA}" type="datetimeFigureOut">
               <a:rPr lang="ko-KR" altLang="en-US" smtClean="0"/>
-              <a:t>2022-04-18</a:t>
+              <a:t>2022-04-19</a:t>
             </a:fld>
             <a:endParaRPr lang="ko-KR" altLang="en-US"/>
           </a:p>
@@ -624,7 +624,7 @@
           <a:p>
             <a:fld id="{BC0BE986-061E-4767-8338-52965FBFDABF}" type="datetime1">
               <a:rPr lang="ko-KR" altLang="en-US" smtClean="0"/>
-              <a:t>2022-04-18</a:t>
+              <a:t>2022-04-19</a:t>
             </a:fld>
             <a:endParaRPr lang="ko-KR" altLang="en-US"/>
           </a:p>
@@ -822,7 +822,7 @@
           <a:p>
             <a:fld id="{5D97806C-4736-4F58-8582-B8F7F9441973}" type="datetime1">
               <a:rPr lang="ko-KR" altLang="en-US" smtClean="0"/>
-              <a:t>2022-04-18</a:t>
+              <a:t>2022-04-19</a:t>
             </a:fld>
             <a:endParaRPr lang="ko-KR" altLang="en-US"/>
           </a:p>
@@ -1030,7 +1030,7 @@
           <a:p>
             <a:fld id="{E41060FE-2537-49E0-AC4A-00D616856957}" type="datetime1">
               <a:rPr lang="ko-KR" altLang="en-US" smtClean="0"/>
-              <a:t>2022-04-18</a:t>
+              <a:t>2022-04-19</a:t>
             </a:fld>
             <a:endParaRPr lang="ko-KR" altLang="en-US"/>
           </a:p>
@@ -1228,7 +1228,7 @@
           <a:p>
             <a:fld id="{1056583F-1BC8-49F8-AD66-D1C9B60444CA}" type="datetime1">
               <a:rPr lang="ko-KR" altLang="en-US" smtClean="0"/>
-              <a:t>2022-04-18</a:t>
+              <a:t>2022-04-19</a:t>
             </a:fld>
             <a:endParaRPr lang="ko-KR" altLang="en-US"/>
           </a:p>
@@ -1503,7 +1503,7 @@
           <a:p>
             <a:fld id="{F44B599E-E4EB-4AA8-86BF-2F5EA286ACEE}" type="datetime1">
               <a:rPr lang="ko-KR" altLang="en-US" smtClean="0"/>
-              <a:t>2022-04-18</a:t>
+              <a:t>2022-04-19</a:t>
             </a:fld>
             <a:endParaRPr lang="ko-KR" altLang="en-US"/>
           </a:p>
@@ -1768,7 +1768,7 @@
           <a:p>
             <a:fld id="{80BC25E8-77FF-47E9-AFAB-7B1F9CA2D672}" type="datetime1">
               <a:rPr lang="ko-KR" altLang="en-US" smtClean="0"/>
-              <a:t>2022-04-18</a:t>
+              <a:t>2022-04-19</a:t>
             </a:fld>
             <a:endParaRPr lang="ko-KR" altLang="en-US"/>
           </a:p>
@@ -2180,7 +2180,7 @@
           <a:p>
             <a:fld id="{0DDE2FDD-ED70-4956-8C04-B1535C08C520}" type="datetime1">
               <a:rPr lang="ko-KR" altLang="en-US" smtClean="0"/>
-              <a:t>2022-04-18</a:t>
+              <a:t>2022-04-19</a:t>
             </a:fld>
             <a:endParaRPr lang="ko-KR" altLang="en-US"/>
           </a:p>
@@ -2321,7 +2321,7 @@
           <a:p>
             <a:fld id="{A45467F8-0EF6-4014-A0A1-80151B320D8B}" type="datetime1">
               <a:rPr lang="ko-KR" altLang="en-US" smtClean="0"/>
-              <a:t>2022-04-18</a:t>
+              <a:t>2022-04-19</a:t>
             </a:fld>
             <a:endParaRPr lang="ko-KR" altLang="en-US"/>
           </a:p>
@@ -2434,7 +2434,7 @@
           <a:p>
             <a:fld id="{DE7D42B4-63A1-4E08-BC46-AA60E3DE9D2C}" type="datetime1">
               <a:rPr lang="ko-KR" altLang="en-US" smtClean="0"/>
-              <a:t>2022-04-18</a:t>
+              <a:t>2022-04-19</a:t>
             </a:fld>
             <a:endParaRPr lang="ko-KR" altLang="en-US"/>
           </a:p>
@@ -2745,7 +2745,7 @@
           <a:p>
             <a:fld id="{40026A23-E3FA-4DFC-AADD-165325F2B919}" type="datetime1">
               <a:rPr lang="ko-KR" altLang="en-US" smtClean="0"/>
-              <a:t>2022-04-18</a:t>
+              <a:t>2022-04-19</a:t>
             </a:fld>
             <a:endParaRPr lang="ko-KR" altLang="en-US"/>
           </a:p>
@@ -3033,7 +3033,7 @@
           <a:p>
             <a:fld id="{CAADC75B-A304-4BE7-8D21-EF9BBEF859E6}" type="datetime1">
               <a:rPr lang="ko-KR" altLang="en-US" smtClean="0"/>
-              <a:t>2022-04-18</a:t>
+              <a:t>2022-04-19</a:t>
             </a:fld>
             <a:endParaRPr lang="ko-KR" altLang="en-US"/>
           </a:p>
@@ -3277,7 +3277,7 @@
           <a:p>
             <a:fld id="{8BB40DB3-D916-4B6B-94F2-646473027273}" type="datetime1">
               <a:rPr lang="ko-KR" altLang="en-US" smtClean="0"/>
-              <a:t>2022-04-18</a:t>
+              <a:t>2022-04-19</a:t>
             </a:fld>
             <a:endParaRPr lang="ko-KR" altLang="en-US"/>
           </a:p>
@@ -7931,7 +7931,7 @@
         </p:nvGrpSpPr>
         <p:grpSpPr>
           <a:xfrm>
-            <a:off x="1945355" y="2321004"/>
+            <a:off x="1945355" y="2141400"/>
             <a:ext cx="3317207" cy="1107996"/>
             <a:chOff x="2314813" y="2047120"/>
             <a:chExt cx="3317207" cy="1107996"/>
@@ -8047,7 +8047,7 @@
         </p:nvGrpSpPr>
         <p:grpSpPr>
           <a:xfrm>
-            <a:off x="416272" y="1268811"/>
+            <a:off x="363127" y="1077616"/>
             <a:ext cx="2290690" cy="1107996"/>
             <a:chOff x="420534" y="1134765"/>
             <a:chExt cx="2290690" cy="1107996"/>
@@ -8163,7 +8163,7 @@
         </p:nvGrpSpPr>
         <p:grpSpPr>
           <a:xfrm>
-            <a:off x="4749460" y="3267838"/>
+            <a:off x="4749460" y="3205184"/>
             <a:ext cx="3049609" cy="1107996"/>
             <a:chOff x="4758896" y="3144044"/>
             <a:chExt cx="3049609" cy="1107996"/>
@@ -8283,7 +8283,7 @@
         </p:nvGrpSpPr>
         <p:grpSpPr>
           <a:xfrm>
-            <a:off x="9275741" y="5097861"/>
+            <a:off x="9317686" y="5332753"/>
             <a:ext cx="3049609" cy="1107996"/>
             <a:chOff x="4758896" y="3144044"/>
             <a:chExt cx="3049609" cy="1107996"/>
@@ -8515,7 +8515,7 @@
         </p:nvGrpSpPr>
         <p:grpSpPr>
           <a:xfrm>
-            <a:off x="7078323" y="3989865"/>
+            <a:off x="7078323" y="4268968"/>
             <a:ext cx="3049609" cy="1107996"/>
             <a:chOff x="4758896" y="3144044"/>
             <a:chExt cx="3049609" cy="1107996"/>
